--- a/docs/slides/uncertainty.pptx
+++ b/docs/slides/uncertainty.pptx
@@ -5,16 +5,23 @@
     <p:sldMasterId id="2147483648" r:id="rId1"/>
   </p:sldMasterIdLst>
   <p:notesMasterIdLst>
-    <p:notesMasterId r:id="rId9"/>
+    <p:notesMasterId r:id="rId16"/>
   </p:notesMasterIdLst>
   <p:sldIdLst>
     <p:sldId id="256" r:id="rId2"/>
     <p:sldId id="271" r:id="rId3"/>
     <p:sldId id="275" r:id="rId4"/>
     <p:sldId id="277" r:id="rId5"/>
-    <p:sldId id="260" r:id="rId6"/>
-    <p:sldId id="278" r:id="rId7"/>
-    <p:sldId id="337" r:id="rId8"/>
+    <p:sldId id="338" r:id="rId6"/>
+    <p:sldId id="339" r:id="rId7"/>
+    <p:sldId id="260" r:id="rId8"/>
+    <p:sldId id="340" r:id="rId9"/>
+    <p:sldId id="278" r:id="rId10"/>
+    <p:sldId id="341" r:id="rId11"/>
+    <p:sldId id="342" r:id="rId12"/>
+    <p:sldId id="343" r:id="rId13"/>
+    <p:sldId id="344" r:id="rId14"/>
+    <p:sldId id="337" r:id="rId15"/>
   </p:sldIdLst>
   <p:sldSz cx="12192000" cy="6858000"/>
   <p:notesSz cx="6858000" cy="9144000"/>
@@ -464,6 +471,90 @@
     </a:lvl9pPr>
   </p:notesStyle>
 </p:notesMaster>
+</file>
+
+<file path=ppt/notesSlides/notesSlide1.xml><?xml version="1.0" encoding="utf-8"?>
+<p:notes xmlns:a="http://schemas.openxmlformats.org/drawingml/2006/main" xmlns:r="http://schemas.openxmlformats.org/officeDocument/2006/relationships" xmlns:p="http://schemas.openxmlformats.org/presentationml/2006/main">
+  <p:cSld>
+    <p:spTree>
+      <p:nvGrpSpPr>
+        <p:cNvPr id="1" name=""/>
+        <p:cNvGrpSpPr/>
+        <p:nvPr/>
+      </p:nvGrpSpPr>
+      <p:grpSpPr>
+        <a:xfrm>
+          <a:off x="0" y="0"/>
+          <a:ext cx="0" cy="0"/>
+          <a:chOff x="0" y="0"/>
+          <a:chExt cx="0" cy="0"/>
+        </a:xfrm>
+      </p:grpSpPr>
+      <p:sp>
+        <p:nvSpPr>
+          <p:cNvPr id="2" name="Slide Image Placeholder 1"/>
+          <p:cNvSpPr>
+            <a:spLocks noGrp="1" noRot="1" noChangeAspect="1"/>
+          </p:cNvSpPr>
+          <p:nvPr>
+            <p:ph type="sldImg"/>
+          </p:nvPr>
+        </p:nvSpPr>
+        <p:spPr/>
+      </p:sp>
+      <p:sp>
+        <p:nvSpPr>
+          <p:cNvPr id="3" name="Notes Placeholder 2"/>
+          <p:cNvSpPr>
+            <a:spLocks noGrp="1"/>
+          </p:cNvSpPr>
+          <p:nvPr>
+            <p:ph type="body" idx="1"/>
+          </p:nvPr>
+        </p:nvSpPr>
+        <p:spPr/>
+        <p:txBody>
+          <a:bodyPr/>
+          <a:lstStyle/>
+          <a:p>
+            <a:endParaRPr lang="en-US" dirty="0"/>
+          </a:p>
+        </p:txBody>
+      </p:sp>
+      <p:sp>
+        <p:nvSpPr>
+          <p:cNvPr id="4" name="Slide Number Placeholder 3"/>
+          <p:cNvSpPr>
+            <a:spLocks noGrp="1"/>
+          </p:cNvSpPr>
+          <p:nvPr>
+            <p:ph type="sldNum" sz="quarter" idx="5"/>
+          </p:nvPr>
+        </p:nvSpPr>
+        <p:spPr/>
+        <p:txBody>
+          <a:bodyPr/>
+          <a:lstStyle/>
+          <a:p>
+            <a:fld id="{280E8083-8C88-F844-B30D-B31822F15A7A}" type="slidenum">
+              <a:rPr lang="en-US" smtClean="0"/>
+              <a:t>12</a:t>
+            </a:fld>
+            <a:endParaRPr lang="en-US"/>
+          </a:p>
+        </p:txBody>
+      </p:sp>
+    </p:spTree>
+    <p:extLst>
+      <p:ext uri="{BB962C8B-B14F-4D97-AF65-F5344CB8AC3E}">
+        <p14:creationId xmlns:p14="http://schemas.microsoft.com/office/powerpoint/2010/main" val="3232357733"/>
+      </p:ext>
+    </p:extLst>
+  </p:cSld>
+  <p:clrMapOvr>
+    <a:masterClrMapping/>
+  </p:clrMapOvr>
+</p:notes>
 </file>
 
 <file path=ppt/slideLayouts/slideLayout1.xml><?xml version="1.0" encoding="utf-8"?>
@@ -3687,6 +3778,14 @@
 <file path=ppt/slides/slide1.xml><?xml version="1.0" encoding="utf-8"?>
 <p:sld xmlns:a="http://schemas.openxmlformats.org/drawingml/2006/main" xmlns:r="http://schemas.openxmlformats.org/officeDocument/2006/relationships" xmlns:p="http://schemas.openxmlformats.org/presentationml/2006/main">
   <p:cSld>
+    <p:bg>
+      <p:bgPr>
+        <a:solidFill>
+          <a:schemeClr val="bg1"/>
+        </a:solidFill>
+        <a:effectLst/>
+      </p:bgPr>
+    </p:bg>
     <p:spTree>
       <p:nvGrpSpPr>
         <p:cNvPr id="1" name=""/>
@@ -3703,6 +3802,196 @@
       </p:grpSpPr>
       <p:sp>
         <p:nvSpPr>
+          <p:cNvPr id="16" name="Rectangle 15">
+            <a:extLst>
+              <a:ext uri="{FF2B5EF4-FFF2-40B4-BE49-F238E27FC236}">
+                <a16:creationId xmlns:a16="http://schemas.microsoft.com/office/drawing/2014/main" id="{156189E5-8A3E-4CFD-B71B-CCD0F8495E56}"/>
+              </a:ext>
+              <a:ext uri="{C183D7F6-B498-43B3-948B-1728B52AA6E4}">
+                <adec:decorative xmlns:adec="http://schemas.microsoft.com/office/drawing/2017/decorative" val="1"/>
+              </a:ext>
+            </a:extLst>
+          </p:cNvPr>
+          <p:cNvSpPr>
+            <a:spLocks noGrp="1" noRot="1" noChangeAspect="1" noMove="1" noResize="1" noEditPoints="1" noAdjustHandles="1" noChangeArrowheads="1" noChangeShapeType="1" noTextEdit="1"/>
+          </p:cNvSpPr>
+          <p:nvPr>
+            <p:extLst>
+              <p:ext uri="{386F3935-93C4-4BCD-93E2-E3B085C9AB24}">
+                <p16:designElem xmlns:p16="http://schemas.microsoft.com/office/powerpoint/2015/main" val="1"/>
+              </p:ext>
+            </p:extLst>
+          </p:nvPr>
+        </p:nvSpPr>
+        <p:spPr>
+          <a:xfrm>
+            <a:off x="0" y="0"/>
+            <a:ext cx="4796367" cy="6858000"/>
+          </a:xfrm>
+          <a:prstGeom prst="rect">
+            <a:avLst/>
+          </a:prstGeom>
+          <a:solidFill>
+            <a:schemeClr val="tx1">
+              <a:alpha val="60000"/>
+            </a:schemeClr>
+          </a:solidFill>
+          <a:ln>
+            <a:noFill/>
+          </a:ln>
+        </p:spPr>
+        <p:style>
+          <a:lnRef idx="2">
+            <a:schemeClr val="accent1">
+              <a:shade val="50000"/>
+            </a:schemeClr>
+          </a:lnRef>
+          <a:fillRef idx="1">
+            <a:schemeClr val="accent1"/>
+          </a:fillRef>
+          <a:effectRef idx="0">
+            <a:schemeClr val="accent1"/>
+          </a:effectRef>
+          <a:fontRef idx="minor">
+            <a:schemeClr val="lt1"/>
+          </a:fontRef>
+        </p:style>
+        <p:txBody>
+          <a:bodyPr rtlCol="0" anchor="ctr"/>
+          <a:lstStyle/>
+          <a:p>
+            <a:pPr marL="0" marR="0" lvl="0" indent="0" algn="ctr" defTabSz="914400" rtl="0" eaLnBrk="1" fontAlgn="auto" latinLnBrk="0" hangingPunct="1">
+              <a:lnSpc>
+                <a:spcPct val="100000"/>
+              </a:lnSpc>
+              <a:spcBef>
+                <a:spcPts val="0"/>
+              </a:spcBef>
+              <a:spcAft>
+                <a:spcPts val="0"/>
+              </a:spcAft>
+              <a:buClrTx/>
+              <a:buSzTx/>
+              <a:buFontTx/>
+              <a:buNone/>
+              <a:tabLst/>
+              <a:defRPr/>
+            </a:pPr>
+            <a:endParaRPr kumimoji="0" lang="en-US" sz="1800" b="0" i="0" u="none" strike="noStrike" kern="1200" cap="none" spc="0" normalizeH="0" baseline="0" noProof="0">
+              <a:ln>
+                <a:noFill/>
+              </a:ln>
+              <a:solidFill>
+                <a:prstClr val="white"/>
+              </a:solidFill>
+              <a:effectLst/>
+              <a:uLnTx/>
+              <a:uFillTx/>
+              <a:latin typeface="Calibri" panose="020F0502020204030204"/>
+              <a:ea typeface="+mn-ea"/>
+              <a:cs typeface="+mn-cs"/>
+            </a:endParaRPr>
+          </a:p>
+        </p:txBody>
+      </p:sp>
+      <p:sp>
+        <p:nvSpPr>
+          <p:cNvPr id="18" name="Rectangle 17">
+            <a:extLst>
+              <a:ext uri="{FF2B5EF4-FFF2-40B4-BE49-F238E27FC236}">
+                <a16:creationId xmlns:a16="http://schemas.microsoft.com/office/drawing/2014/main" id="{BE95D989-81FA-4BAD-9AD5-E46CEDA91B36}"/>
+              </a:ext>
+              <a:ext uri="{C183D7F6-B498-43B3-948B-1728B52AA6E4}">
+                <adec:decorative xmlns:adec="http://schemas.microsoft.com/office/drawing/2017/decorative" val="1"/>
+              </a:ext>
+            </a:extLst>
+          </p:cNvPr>
+          <p:cNvSpPr>
+            <a:spLocks noGrp="1" noRot="1" noChangeAspect="1" noMove="1" noResize="1" noEditPoints="1" noAdjustHandles="1" noChangeArrowheads="1" noChangeShapeType="1" noTextEdit="1"/>
+          </p:cNvSpPr>
+          <p:nvPr>
+            <p:extLst>
+              <p:ext uri="{386F3935-93C4-4BCD-93E2-E3B085C9AB24}">
+                <p16:designElem xmlns:p16="http://schemas.microsoft.com/office/powerpoint/2015/main" val="1"/>
+              </p:ext>
+            </p:extLst>
+          </p:nvPr>
+        </p:nvSpPr>
+        <p:spPr>
+          <a:xfrm>
+            <a:off x="0" y="0"/>
+            <a:ext cx="4654293" cy="6858000"/>
+          </a:xfrm>
+          <a:prstGeom prst="rect">
+            <a:avLst/>
+          </a:prstGeom>
+          <a:solidFill>
+            <a:schemeClr val="tx1">
+              <a:lumMod val="75000"/>
+              <a:lumOff val="25000"/>
+              <a:alpha val="80000"/>
+            </a:schemeClr>
+          </a:solidFill>
+          <a:ln>
+            <a:noFill/>
+          </a:ln>
+        </p:spPr>
+        <p:style>
+          <a:lnRef idx="2">
+            <a:schemeClr val="accent1">
+              <a:shade val="50000"/>
+            </a:schemeClr>
+          </a:lnRef>
+          <a:fillRef idx="1">
+            <a:schemeClr val="accent1"/>
+          </a:fillRef>
+          <a:effectRef idx="0">
+            <a:schemeClr val="accent1"/>
+          </a:effectRef>
+          <a:fontRef idx="minor">
+            <a:schemeClr val="lt1"/>
+          </a:fontRef>
+        </p:style>
+        <p:txBody>
+          <a:bodyPr rtlCol="0" anchor="ctr"/>
+          <a:lstStyle/>
+          <a:p>
+            <a:pPr marL="0" marR="0" lvl="0" indent="0" algn="ctr" defTabSz="914400" rtl="0" eaLnBrk="1" fontAlgn="auto" latinLnBrk="0" hangingPunct="1">
+              <a:lnSpc>
+                <a:spcPct val="100000"/>
+              </a:lnSpc>
+              <a:spcBef>
+                <a:spcPts val="0"/>
+              </a:spcBef>
+              <a:spcAft>
+                <a:spcPts val="0"/>
+              </a:spcAft>
+              <a:buClrTx/>
+              <a:buSzTx/>
+              <a:buFontTx/>
+              <a:buNone/>
+              <a:tabLst/>
+              <a:defRPr/>
+            </a:pPr>
+            <a:endParaRPr kumimoji="0" lang="en-US" sz="1800" b="0" i="0" u="none" strike="noStrike" kern="1200" cap="none" spc="0" normalizeH="0" baseline="0" noProof="0">
+              <a:ln>
+                <a:noFill/>
+              </a:ln>
+              <a:solidFill>
+                <a:prstClr val="white"/>
+              </a:solidFill>
+              <a:effectLst/>
+              <a:uLnTx/>
+              <a:uFillTx/>
+              <a:latin typeface="Calibri" panose="020F0502020204030204"/>
+              <a:ea typeface="+mn-ea"/>
+              <a:cs typeface="+mn-cs"/>
+            </a:endParaRPr>
+          </a:p>
+        </p:txBody>
+      </p:sp>
+      <p:sp>
+        <p:nvSpPr>
           <p:cNvPr id="2" name="Title 1">
             <a:extLst>
               <a:ext uri="{FF2B5EF4-FFF2-40B4-BE49-F238E27FC236}">
@@ -3717,14 +4006,29 @@
             <p:ph type="ctrTitle"/>
           </p:nvPr>
         </p:nvSpPr>
-        <p:spPr/>
-        <p:txBody>
-          <a:bodyPr/>
+        <p:spPr>
+          <a:xfrm>
+            <a:off x="804673" y="1120285"/>
+            <a:ext cx="3348227" cy="2809875"/>
+          </a:xfrm>
+        </p:spPr>
+        <p:txBody>
+          <a:bodyPr anchor="b">
+            <a:normAutofit/>
+          </a:bodyPr>
           <a:lstStyle/>
           <a:p>
-            <a:r>
-              <a:rPr lang="en-US" dirty="0"/>
-              <a:t>Intervals	 and uncertainty</a:t>
+            <a:pPr algn="l"/>
+            <a:r>
+              <a:rPr lang="en-US" sz="4000">
+                <a:solidFill>
+                  <a:schemeClr val="bg1">
+                    <a:lumMod val="85000"/>
+                    <a:lumOff val="15000"/>
+                  </a:schemeClr>
+                </a:solidFill>
+              </a:rPr>
+              <a:t>Intervals and uncertainty</a:t>
             </a:r>
           </a:p>
         </p:txBody>
@@ -3745,22 +4049,1037 @@
             <p:ph type="subTitle" idx="1"/>
           </p:nvPr>
         </p:nvSpPr>
-        <p:spPr/>
-        <p:txBody>
-          <a:bodyPr/>
+        <p:spPr>
+          <a:xfrm>
+            <a:off x="804672" y="3930160"/>
+            <a:ext cx="3348228" cy="928494"/>
+          </a:xfrm>
+        </p:spPr>
+        <p:txBody>
+          <a:bodyPr anchor="t">
+            <a:normAutofit/>
+          </a:bodyPr>
           <a:lstStyle/>
           <a:p>
-            <a:r>
-              <a:rPr lang="en-US" dirty="0"/>
+            <a:pPr algn="l"/>
+            <a:r>
+              <a:rPr lang="en-US" sz="2000">
+                <a:solidFill>
+                  <a:schemeClr val="bg1">
+                    <a:lumMod val="85000"/>
+                    <a:lumOff val="15000"/>
+                  </a:schemeClr>
+                </a:solidFill>
+              </a:rPr>
               <a:t>Ben Whalley</a:t>
             </a:r>
           </a:p>
         </p:txBody>
       </p:sp>
+      <p:pic>
+        <p:nvPicPr>
+          <p:cNvPr id="4" name="Picture 3">
+            <a:extLst>
+              <a:ext uri="{FF2B5EF4-FFF2-40B4-BE49-F238E27FC236}">
+                <a16:creationId xmlns:a16="http://schemas.microsoft.com/office/drawing/2014/main" id="{95CF2CA2-A8A6-A24A-8FAF-6C99ED5407EE}"/>
+              </a:ext>
+            </a:extLst>
+          </p:cNvPr>
+          <p:cNvPicPr>
+            <a:picLocks noChangeAspect="1"/>
+          </p:cNvPicPr>
+          <p:nvPr/>
+        </p:nvPicPr>
+        <p:blipFill>
+          <a:blip r:embed="rId2"/>
+          <a:stretch>
+            <a:fillRect/>
+          </a:stretch>
+        </p:blipFill>
+        <p:spPr>
+          <a:xfrm>
+            <a:off x="5588051" y="643467"/>
+            <a:ext cx="5831396" cy="5571066"/>
+          </a:xfrm>
+          <a:prstGeom prst="rect">
+            <a:avLst/>
+          </a:prstGeom>
+        </p:spPr>
+      </p:pic>
     </p:spTree>
     <p:extLst>
       <p:ext uri="{BB962C8B-B14F-4D97-AF65-F5344CB8AC3E}">
         <p14:creationId xmlns:p14="http://schemas.microsoft.com/office/powerpoint/2010/main" val="1910284329"/>
+      </p:ext>
+    </p:extLst>
+  </p:cSld>
+  <p:clrMapOvr>
+    <a:masterClrMapping/>
+  </p:clrMapOvr>
+</p:sld>
+</file>
+
+<file path=ppt/slides/slide10.xml><?xml version="1.0" encoding="utf-8"?>
+<p:sld xmlns:a="http://schemas.openxmlformats.org/drawingml/2006/main" xmlns:r="http://schemas.openxmlformats.org/officeDocument/2006/relationships" xmlns:p="http://schemas.openxmlformats.org/presentationml/2006/main">
+  <p:cSld>
+    <p:spTree>
+      <p:nvGrpSpPr>
+        <p:cNvPr id="1" name=""/>
+        <p:cNvGrpSpPr/>
+        <p:nvPr/>
+      </p:nvGrpSpPr>
+      <p:grpSpPr>
+        <a:xfrm>
+          <a:off x="0" y="0"/>
+          <a:ext cx="0" cy="0"/>
+          <a:chOff x="0" y="0"/>
+          <a:chExt cx="0" cy="0"/>
+        </a:xfrm>
+      </p:grpSpPr>
+      <p:sp>
+        <p:nvSpPr>
+          <p:cNvPr id="2" name="Title 1">
+            <a:extLst>
+              <a:ext uri="{FF2B5EF4-FFF2-40B4-BE49-F238E27FC236}">
+                <a16:creationId xmlns:a16="http://schemas.microsoft.com/office/drawing/2014/main" id="{7A99763E-5480-D645-9C32-5CAA6CC9BEF6}"/>
+              </a:ext>
+            </a:extLst>
+          </p:cNvPr>
+          <p:cNvSpPr>
+            <a:spLocks noGrp="1"/>
+          </p:cNvSpPr>
+          <p:nvPr>
+            <p:ph type="title"/>
+          </p:nvPr>
+        </p:nvSpPr>
+        <p:spPr>
+          <a:xfrm>
+            <a:off x="838200" y="365125"/>
+            <a:ext cx="10515600" cy="1325563"/>
+          </a:xfrm>
+        </p:spPr>
+        <p:txBody>
+          <a:bodyPr/>
+          <a:lstStyle/>
+          <a:p>
+            <a:r>
+              <a:rPr lang="en-US" dirty="0"/>
+              <a:t>Prediction intervals are important</a:t>
+            </a:r>
+          </a:p>
+        </p:txBody>
+      </p:sp>
+      <p:sp>
+        <p:nvSpPr>
+          <p:cNvPr id="3" name="Content Placeholder 2">
+            <a:extLst>
+              <a:ext uri="{FF2B5EF4-FFF2-40B4-BE49-F238E27FC236}">
+                <a16:creationId xmlns:a16="http://schemas.microsoft.com/office/drawing/2014/main" id="{A29BA3E8-E88C-004D-8464-882E74A0F612}"/>
+              </a:ext>
+            </a:extLst>
+          </p:cNvPr>
+          <p:cNvSpPr>
+            <a:spLocks noGrp="1"/>
+          </p:cNvSpPr>
+          <p:nvPr>
+            <p:ph idx="1"/>
+          </p:nvPr>
+        </p:nvSpPr>
+        <p:spPr/>
+        <p:txBody>
+          <a:bodyPr>
+            <a:normAutofit/>
+          </a:bodyPr>
+          <a:lstStyle/>
+          <a:p>
+            <a:r>
+              <a:rPr lang="en-US" dirty="0"/>
+              <a:t>By focusing on individuals we would tend to be more humble about the application of our findings</a:t>
+            </a:r>
+          </a:p>
+          <a:p>
+            <a:r>
+              <a:rPr lang="en-US" dirty="0"/>
+              <a:t>Less likely to give misleading advice</a:t>
+            </a:r>
+          </a:p>
+          <a:p>
+            <a:r>
+              <a:rPr lang="en-US" dirty="0"/>
+              <a:t>BUT statistical predictions can have real benefits</a:t>
+            </a:r>
+          </a:p>
+          <a:p>
+            <a:pPr lvl="1"/>
+            <a:r>
+              <a:rPr lang="en-US" dirty="0" err="1"/>
+              <a:t>Meehl</a:t>
+            </a:r>
+            <a:r>
+              <a:rPr lang="en-US" dirty="0"/>
+              <a:t> on clinical prediction</a:t>
+            </a:r>
+          </a:p>
+          <a:p>
+            <a:r>
+              <a:rPr lang="en-US" dirty="0"/>
+              <a:t>Practical applications (like betting)</a:t>
+            </a:r>
+          </a:p>
+          <a:p>
+            <a:endParaRPr lang="en-US" dirty="0"/>
+          </a:p>
+          <a:p>
+            <a:endParaRPr lang="en-US" dirty="0"/>
+          </a:p>
+          <a:p>
+            <a:pPr marL="0" indent="0">
+              <a:buNone/>
+            </a:pPr>
+            <a:r>
+              <a:rPr lang="en-US" sz="1800" dirty="0"/>
+              <a:t>https://</a:t>
+            </a:r>
+            <a:r>
+              <a:rPr lang="en-US" sz="1800" dirty="0" err="1"/>
+              <a:t>science.sciencemag.org</a:t>
+            </a:r>
+            <a:r>
+              <a:rPr lang="en-US" sz="1800" dirty="0"/>
+              <a:t>/content/243/4899/1668</a:t>
+            </a:r>
+          </a:p>
+        </p:txBody>
+      </p:sp>
+    </p:spTree>
+    <p:extLst>
+      <p:ext uri="{BB962C8B-B14F-4D97-AF65-F5344CB8AC3E}">
+        <p14:creationId xmlns:p14="http://schemas.microsoft.com/office/powerpoint/2010/main" val="1454552329"/>
+      </p:ext>
+    </p:extLst>
+  </p:cSld>
+  <p:clrMapOvr>
+    <a:masterClrMapping/>
+  </p:clrMapOvr>
+  <p:timing>
+    <p:tnLst>
+      <p:par>
+        <p:cTn id="1" dur="indefinite" restart="never" nodeType="tmRoot">
+          <p:childTnLst>
+            <p:seq concurrent="1" nextAc="seek">
+              <p:cTn id="2" dur="indefinite" nodeType="mainSeq">
+                <p:childTnLst>
+                  <p:par>
+                    <p:cTn id="3" fill="hold">
+                      <p:stCondLst>
+                        <p:cond delay="indefinite"/>
+                      </p:stCondLst>
+                      <p:childTnLst>
+                        <p:par>
+                          <p:cTn id="4" fill="hold">
+                            <p:stCondLst>
+                              <p:cond delay="0"/>
+                            </p:stCondLst>
+                            <p:childTnLst>
+                              <p:par>
+                                <p:cTn id="5" presetID="1" presetClass="entr" presetSubtype="0" fill="hold" grpId="0" nodeType="clickEffect">
+                                  <p:stCondLst>
+                                    <p:cond delay="0"/>
+                                  </p:stCondLst>
+                                  <p:childTnLst>
+                                    <p:set>
+                                      <p:cBhvr>
+                                        <p:cTn id="6" dur="1" fill="hold">
+                                          <p:stCondLst>
+                                            <p:cond delay="0"/>
+                                          </p:stCondLst>
+                                        </p:cTn>
+                                        <p:tgtEl>
+                                          <p:spTgt spid="3">
+                                            <p:txEl>
+                                              <p:pRg st="0" end="0"/>
+                                            </p:txEl>
+                                          </p:spTgt>
+                                        </p:tgtEl>
+                                        <p:attrNameLst>
+                                          <p:attrName>style.visibility</p:attrName>
+                                        </p:attrNameLst>
+                                      </p:cBhvr>
+                                      <p:to>
+                                        <p:strVal val="visible"/>
+                                      </p:to>
+                                    </p:set>
+                                  </p:childTnLst>
+                                </p:cTn>
+                              </p:par>
+                            </p:childTnLst>
+                          </p:cTn>
+                        </p:par>
+                      </p:childTnLst>
+                    </p:cTn>
+                  </p:par>
+                  <p:par>
+                    <p:cTn id="7" fill="hold">
+                      <p:stCondLst>
+                        <p:cond delay="indefinite"/>
+                      </p:stCondLst>
+                      <p:childTnLst>
+                        <p:par>
+                          <p:cTn id="8" fill="hold">
+                            <p:stCondLst>
+                              <p:cond delay="0"/>
+                            </p:stCondLst>
+                            <p:childTnLst>
+                              <p:par>
+                                <p:cTn id="9" presetID="1" presetClass="entr" presetSubtype="0" fill="hold" grpId="0" nodeType="clickEffect">
+                                  <p:stCondLst>
+                                    <p:cond delay="0"/>
+                                  </p:stCondLst>
+                                  <p:childTnLst>
+                                    <p:set>
+                                      <p:cBhvr>
+                                        <p:cTn id="10" dur="1" fill="hold">
+                                          <p:stCondLst>
+                                            <p:cond delay="0"/>
+                                          </p:stCondLst>
+                                        </p:cTn>
+                                        <p:tgtEl>
+                                          <p:spTgt spid="3">
+                                            <p:txEl>
+                                              <p:pRg st="1" end="1"/>
+                                            </p:txEl>
+                                          </p:spTgt>
+                                        </p:tgtEl>
+                                        <p:attrNameLst>
+                                          <p:attrName>style.visibility</p:attrName>
+                                        </p:attrNameLst>
+                                      </p:cBhvr>
+                                      <p:to>
+                                        <p:strVal val="visible"/>
+                                      </p:to>
+                                    </p:set>
+                                  </p:childTnLst>
+                                </p:cTn>
+                              </p:par>
+                            </p:childTnLst>
+                          </p:cTn>
+                        </p:par>
+                      </p:childTnLst>
+                    </p:cTn>
+                  </p:par>
+                  <p:par>
+                    <p:cTn id="11" fill="hold">
+                      <p:stCondLst>
+                        <p:cond delay="indefinite"/>
+                      </p:stCondLst>
+                      <p:childTnLst>
+                        <p:par>
+                          <p:cTn id="12" fill="hold">
+                            <p:stCondLst>
+                              <p:cond delay="0"/>
+                            </p:stCondLst>
+                            <p:childTnLst>
+                              <p:par>
+                                <p:cTn id="13" presetID="1" presetClass="entr" presetSubtype="0" fill="hold" grpId="0" nodeType="clickEffect">
+                                  <p:stCondLst>
+                                    <p:cond delay="0"/>
+                                  </p:stCondLst>
+                                  <p:childTnLst>
+                                    <p:set>
+                                      <p:cBhvr>
+                                        <p:cTn id="14" dur="1" fill="hold">
+                                          <p:stCondLst>
+                                            <p:cond delay="0"/>
+                                          </p:stCondLst>
+                                        </p:cTn>
+                                        <p:tgtEl>
+                                          <p:spTgt spid="3">
+                                            <p:txEl>
+                                              <p:pRg st="2" end="2"/>
+                                            </p:txEl>
+                                          </p:spTgt>
+                                        </p:tgtEl>
+                                        <p:attrNameLst>
+                                          <p:attrName>style.visibility</p:attrName>
+                                        </p:attrNameLst>
+                                      </p:cBhvr>
+                                      <p:to>
+                                        <p:strVal val="visible"/>
+                                      </p:to>
+                                    </p:set>
+                                  </p:childTnLst>
+                                </p:cTn>
+                              </p:par>
+                              <p:par>
+                                <p:cTn id="15" presetID="1" presetClass="entr" presetSubtype="0" fill="hold" grpId="0" nodeType="withEffect">
+                                  <p:stCondLst>
+                                    <p:cond delay="0"/>
+                                  </p:stCondLst>
+                                  <p:childTnLst>
+                                    <p:set>
+                                      <p:cBhvr>
+                                        <p:cTn id="16" dur="1" fill="hold">
+                                          <p:stCondLst>
+                                            <p:cond delay="0"/>
+                                          </p:stCondLst>
+                                        </p:cTn>
+                                        <p:tgtEl>
+                                          <p:spTgt spid="3">
+                                            <p:txEl>
+                                              <p:pRg st="3" end="3"/>
+                                            </p:txEl>
+                                          </p:spTgt>
+                                        </p:tgtEl>
+                                        <p:attrNameLst>
+                                          <p:attrName>style.visibility</p:attrName>
+                                        </p:attrNameLst>
+                                      </p:cBhvr>
+                                      <p:to>
+                                        <p:strVal val="visible"/>
+                                      </p:to>
+                                    </p:set>
+                                  </p:childTnLst>
+                                </p:cTn>
+                              </p:par>
+                            </p:childTnLst>
+                          </p:cTn>
+                        </p:par>
+                      </p:childTnLst>
+                    </p:cTn>
+                  </p:par>
+                  <p:par>
+                    <p:cTn id="17" fill="hold">
+                      <p:stCondLst>
+                        <p:cond delay="indefinite"/>
+                      </p:stCondLst>
+                      <p:childTnLst>
+                        <p:par>
+                          <p:cTn id="18" fill="hold">
+                            <p:stCondLst>
+                              <p:cond delay="0"/>
+                            </p:stCondLst>
+                            <p:childTnLst>
+                              <p:par>
+                                <p:cTn id="19" presetID="1" presetClass="entr" presetSubtype="0" fill="hold" grpId="0" nodeType="clickEffect">
+                                  <p:stCondLst>
+                                    <p:cond delay="0"/>
+                                  </p:stCondLst>
+                                  <p:childTnLst>
+                                    <p:set>
+                                      <p:cBhvr>
+                                        <p:cTn id="20" dur="1" fill="hold">
+                                          <p:stCondLst>
+                                            <p:cond delay="0"/>
+                                          </p:stCondLst>
+                                        </p:cTn>
+                                        <p:tgtEl>
+                                          <p:spTgt spid="3">
+                                            <p:txEl>
+                                              <p:pRg st="4" end="4"/>
+                                            </p:txEl>
+                                          </p:spTgt>
+                                        </p:tgtEl>
+                                        <p:attrNameLst>
+                                          <p:attrName>style.visibility</p:attrName>
+                                        </p:attrNameLst>
+                                      </p:cBhvr>
+                                      <p:to>
+                                        <p:strVal val="visible"/>
+                                      </p:to>
+                                    </p:set>
+                                  </p:childTnLst>
+                                </p:cTn>
+                              </p:par>
+                            </p:childTnLst>
+                          </p:cTn>
+                        </p:par>
+                      </p:childTnLst>
+                    </p:cTn>
+                  </p:par>
+                  <p:par>
+                    <p:cTn id="21" fill="hold">
+                      <p:stCondLst>
+                        <p:cond delay="indefinite"/>
+                      </p:stCondLst>
+                      <p:childTnLst>
+                        <p:par>
+                          <p:cTn id="22" fill="hold">
+                            <p:stCondLst>
+                              <p:cond delay="0"/>
+                            </p:stCondLst>
+                            <p:childTnLst>
+                              <p:par>
+                                <p:cTn id="23" presetID="1" presetClass="entr" presetSubtype="0" fill="hold" grpId="0" nodeType="clickEffect">
+                                  <p:stCondLst>
+                                    <p:cond delay="0"/>
+                                  </p:stCondLst>
+                                  <p:childTnLst>
+                                    <p:set>
+                                      <p:cBhvr>
+                                        <p:cTn id="24" dur="1" fill="hold">
+                                          <p:stCondLst>
+                                            <p:cond delay="0"/>
+                                          </p:stCondLst>
+                                        </p:cTn>
+                                        <p:tgtEl>
+                                          <p:spTgt spid="3">
+                                            <p:txEl>
+                                              <p:pRg st="7" end="7"/>
+                                            </p:txEl>
+                                          </p:spTgt>
+                                        </p:tgtEl>
+                                        <p:attrNameLst>
+                                          <p:attrName>style.visibility</p:attrName>
+                                        </p:attrNameLst>
+                                      </p:cBhvr>
+                                      <p:to>
+                                        <p:strVal val="visible"/>
+                                      </p:to>
+                                    </p:set>
+                                  </p:childTnLst>
+                                </p:cTn>
+                              </p:par>
+                            </p:childTnLst>
+                          </p:cTn>
+                        </p:par>
+                      </p:childTnLst>
+                    </p:cTn>
+                  </p:par>
+                </p:childTnLst>
+              </p:cTn>
+              <p:prevCondLst>
+                <p:cond evt="onPrev" delay="0">
+                  <p:tgtEl>
+                    <p:sldTgt/>
+                  </p:tgtEl>
+                </p:cond>
+              </p:prevCondLst>
+              <p:nextCondLst>
+                <p:cond evt="onNext" delay="0">
+                  <p:tgtEl>
+                    <p:sldTgt/>
+                  </p:tgtEl>
+                </p:cond>
+              </p:nextCondLst>
+            </p:seq>
+          </p:childTnLst>
+        </p:cTn>
+      </p:par>
+    </p:tnLst>
+    <p:bldLst>
+      <p:bldP spid="3" grpId="0" uiExpand="1" build="p"/>
+    </p:bldLst>
+  </p:timing>
+</p:sld>
+</file>
+
+<file path=ppt/slides/slide11.xml><?xml version="1.0" encoding="utf-8"?>
+<p:sld xmlns:a="http://schemas.openxmlformats.org/drawingml/2006/main" xmlns:r="http://schemas.openxmlformats.org/officeDocument/2006/relationships" xmlns:p="http://schemas.openxmlformats.org/presentationml/2006/main">
+  <p:cSld>
+    <p:spTree>
+      <p:nvGrpSpPr>
+        <p:cNvPr id="1" name=""/>
+        <p:cNvGrpSpPr/>
+        <p:nvPr/>
+      </p:nvGrpSpPr>
+      <p:grpSpPr>
+        <a:xfrm>
+          <a:off x="0" y="0"/>
+          <a:ext cx="0" cy="0"/>
+          <a:chOff x="0" y="0"/>
+          <a:chExt cx="0" cy="0"/>
+        </a:xfrm>
+      </p:grpSpPr>
+      <p:sp>
+        <p:nvSpPr>
+          <p:cNvPr id="2" name="Title 1">
+            <a:extLst>
+              <a:ext uri="{FF2B5EF4-FFF2-40B4-BE49-F238E27FC236}">
+                <a16:creationId xmlns:a16="http://schemas.microsoft.com/office/drawing/2014/main" id="{95D8626E-05C6-AD4E-B171-D6E2821DF1A4}"/>
+              </a:ext>
+            </a:extLst>
+          </p:cNvPr>
+          <p:cNvSpPr>
+            <a:spLocks noGrp="1"/>
+          </p:cNvSpPr>
+          <p:nvPr>
+            <p:ph type="title"/>
+          </p:nvPr>
+        </p:nvSpPr>
+        <p:spPr/>
+        <p:txBody>
+          <a:bodyPr/>
+          <a:lstStyle/>
+          <a:p>
+            <a:r>
+              <a:rPr lang="en-US" dirty="0"/>
+              <a:t>Bayesian intervals with </a:t>
+            </a:r>
+            <a:r>
+              <a:rPr lang="en-US" dirty="0" err="1"/>
+              <a:t>rstanarm</a:t>
+            </a:r>
+            <a:endParaRPr lang="en-US" dirty="0"/>
+          </a:p>
+        </p:txBody>
+      </p:sp>
+      <p:sp>
+        <p:nvSpPr>
+          <p:cNvPr id="4" name="Content Placeholder 3">
+            <a:extLst>
+              <a:ext uri="{FF2B5EF4-FFF2-40B4-BE49-F238E27FC236}">
+                <a16:creationId xmlns:a16="http://schemas.microsoft.com/office/drawing/2014/main" id="{4ACAEBEF-46FF-2B40-B2F3-2F423F88DC2F}"/>
+              </a:ext>
+            </a:extLst>
+          </p:cNvPr>
+          <p:cNvSpPr>
+            <a:spLocks noGrp="1"/>
+          </p:cNvSpPr>
+          <p:nvPr>
+            <p:ph idx="1"/>
+          </p:nvPr>
+        </p:nvSpPr>
+        <p:spPr>
+          <a:xfrm>
+            <a:off x="838200" y="1842558"/>
+            <a:ext cx="10515600" cy="4351338"/>
+          </a:xfrm>
+        </p:spPr>
+        <p:txBody>
+          <a:bodyPr>
+            <a:normAutofit fontScale="92500" lnSpcReduction="20000"/>
+          </a:bodyPr>
+          <a:lstStyle/>
+          <a:p>
+            <a:r>
+              <a:rPr lang="en-US" dirty="0"/>
+              <a:t>Bayesian models </a:t>
+            </a:r>
+            <a:r>
+              <a:rPr lang="en-US" i="1" dirty="0"/>
+              <a:t>were</a:t>
+            </a:r>
+            <a:r>
+              <a:rPr lang="en-US" dirty="0"/>
+              <a:t> hard to fit/use</a:t>
+            </a:r>
+          </a:p>
+          <a:p>
+            <a:r>
+              <a:rPr lang="en-US" dirty="0"/>
+              <a:t>Changing a lot now</a:t>
+            </a:r>
+          </a:p>
+          <a:p>
+            <a:endParaRPr lang="en-US" dirty="0"/>
+          </a:p>
+          <a:p>
+            <a:r>
+              <a:rPr lang="en-US" dirty="0"/>
+              <a:t>Computer runs a simulation</a:t>
+            </a:r>
+          </a:p>
+          <a:p>
+            <a:r>
+              <a:rPr lang="en-US" dirty="0"/>
+              <a:t>Thousands of estimates…</a:t>
+            </a:r>
+          </a:p>
+          <a:p>
+            <a:r>
+              <a:rPr lang="en-US" dirty="0"/>
+              <a:t>Integrates information about what we already know is likely with the data</a:t>
+            </a:r>
+          </a:p>
+          <a:p>
+            <a:endParaRPr lang="en-US" dirty="0"/>
+          </a:p>
+          <a:p>
+            <a:r>
+              <a:rPr lang="en-US" dirty="0"/>
+              <a:t>Result is a distribution of possibilities (a sample of predictions)</a:t>
+            </a:r>
+          </a:p>
+          <a:p>
+            <a:r>
+              <a:rPr lang="en-US" dirty="0"/>
+              <a:t>We can pretend this sample </a:t>
+            </a:r>
+            <a:r>
+              <a:rPr lang="en-US" i="1" dirty="0"/>
+              <a:t>is </a:t>
+            </a:r>
+            <a:r>
+              <a:rPr lang="en-US" dirty="0"/>
+              <a:t>the population, calculate means, quantiles to represent uncertainty.</a:t>
+            </a:r>
+          </a:p>
+          <a:p>
+            <a:r>
+              <a:rPr lang="en-US" dirty="0"/>
+              <a:t>Make REAL probability statements, interpret them the way we’d like</a:t>
+            </a:r>
+          </a:p>
+        </p:txBody>
+      </p:sp>
+    </p:spTree>
+    <p:extLst>
+      <p:ext uri="{BB962C8B-B14F-4D97-AF65-F5344CB8AC3E}">
+        <p14:creationId xmlns:p14="http://schemas.microsoft.com/office/powerpoint/2010/main" val="1004990127"/>
+      </p:ext>
+    </p:extLst>
+  </p:cSld>
+  <p:clrMapOvr>
+    <a:masterClrMapping/>
+  </p:clrMapOvr>
+</p:sld>
+</file>
+
+<file path=ppt/slides/slide12.xml><?xml version="1.0" encoding="utf-8"?>
+<p:sld xmlns:a="http://schemas.openxmlformats.org/drawingml/2006/main" xmlns:r="http://schemas.openxmlformats.org/officeDocument/2006/relationships" xmlns:p="http://schemas.openxmlformats.org/presentationml/2006/main">
+  <p:cSld>
+    <p:bg>
+      <p:bgPr>
+        <a:solidFill>
+          <a:schemeClr val="bg1"/>
+        </a:solidFill>
+        <a:effectLst/>
+      </p:bgPr>
+    </p:bg>
+    <p:spTree>
+      <p:nvGrpSpPr>
+        <p:cNvPr id="1" name=""/>
+        <p:cNvGrpSpPr/>
+        <p:nvPr/>
+      </p:nvGrpSpPr>
+      <p:grpSpPr>
+        <a:xfrm>
+          <a:off x="0" y="0"/>
+          <a:ext cx="0" cy="0"/>
+          <a:chOff x="0" y="0"/>
+          <a:chExt cx="0" cy="0"/>
+        </a:xfrm>
+      </p:grpSpPr>
+      <p:pic>
+        <p:nvPicPr>
+          <p:cNvPr id="4" name="Content Placeholder 3">
+            <a:extLst>
+              <a:ext uri="{FF2B5EF4-FFF2-40B4-BE49-F238E27FC236}">
+                <a16:creationId xmlns:a16="http://schemas.microsoft.com/office/drawing/2014/main" id="{8CDF0229-ED85-204D-A79E-B77774B2F392}"/>
+              </a:ext>
+            </a:extLst>
+          </p:cNvPr>
+          <p:cNvPicPr>
+            <a:picLocks noGrp="1" noChangeAspect="1"/>
+          </p:cNvPicPr>
+          <p:nvPr>
+            <p:ph idx="1"/>
+          </p:nvPr>
+        </p:nvPicPr>
+        <p:blipFill rotWithShape="1">
+          <a:blip r:embed="rId3"/>
+          <a:srcRect t="2190" b="407"/>
+          <a:stretch/>
+        </p:blipFill>
+        <p:spPr>
+          <a:xfrm>
+            <a:off x="20" y="10"/>
+            <a:ext cx="12191980" cy="6857990"/>
+          </a:xfrm>
+          <a:prstGeom prst="rect">
+            <a:avLst/>
+          </a:prstGeom>
+        </p:spPr>
+      </p:pic>
+    </p:spTree>
+    <p:extLst>
+      <p:ext uri="{BB962C8B-B14F-4D97-AF65-F5344CB8AC3E}">
+        <p14:creationId xmlns:p14="http://schemas.microsoft.com/office/powerpoint/2010/main" val="3579423759"/>
+      </p:ext>
+    </p:extLst>
+  </p:cSld>
+  <p:clrMapOvr>
+    <a:masterClrMapping/>
+  </p:clrMapOvr>
+</p:sld>
+</file>
+
+<file path=ppt/slides/slide13.xml><?xml version="1.0" encoding="utf-8"?>
+<p:sld xmlns:a="http://schemas.openxmlformats.org/drawingml/2006/main" xmlns:r="http://schemas.openxmlformats.org/officeDocument/2006/relationships" xmlns:p="http://schemas.openxmlformats.org/presentationml/2006/main">
+  <p:cSld>
+    <p:bg>
+      <p:bgPr>
+        <a:solidFill>
+          <a:schemeClr val="bg1"/>
+        </a:solidFill>
+        <a:effectLst/>
+      </p:bgPr>
+    </p:bg>
+    <p:spTree>
+      <p:nvGrpSpPr>
+        <p:cNvPr id="1" name=""/>
+        <p:cNvGrpSpPr/>
+        <p:nvPr/>
+      </p:nvGrpSpPr>
+      <p:grpSpPr>
+        <a:xfrm>
+          <a:off x="0" y="0"/>
+          <a:ext cx="0" cy="0"/>
+          <a:chOff x="0" y="0"/>
+          <a:chExt cx="0" cy="0"/>
+        </a:xfrm>
+      </p:grpSpPr>
+      <p:pic>
+        <p:nvPicPr>
+          <p:cNvPr id="4" name="Content Placeholder 3">
+            <a:extLst>
+              <a:ext uri="{FF2B5EF4-FFF2-40B4-BE49-F238E27FC236}">
+                <a16:creationId xmlns:a16="http://schemas.microsoft.com/office/drawing/2014/main" id="{529761FB-FE88-B54A-A061-02EF2FDF7E1C}"/>
+              </a:ext>
+            </a:extLst>
+          </p:cNvPr>
+          <p:cNvPicPr>
+            <a:picLocks noGrp="1" noChangeAspect="1"/>
+          </p:cNvPicPr>
+          <p:nvPr>
+            <p:ph idx="4294967295"/>
+          </p:nvPr>
+        </p:nvPicPr>
+        <p:blipFill>
+          <a:blip r:embed="rId2"/>
+          <a:stretch>
+            <a:fillRect/>
+          </a:stretch>
+        </p:blipFill>
+        <p:spPr>
+          <a:xfrm>
+            <a:off x="2372780" y="774170"/>
+            <a:ext cx="8295220" cy="5745163"/>
+          </a:xfrm>
+          <a:prstGeom prst="rect">
+            <a:avLst/>
+          </a:prstGeom>
+        </p:spPr>
+      </p:pic>
+    </p:spTree>
+    <p:extLst>
+      <p:ext uri="{BB962C8B-B14F-4D97-AF65-F5344CB8AC3E}">
+        <p14:creationId xmlns:p14="http://schemas.microsoft.com/office/powerpoint/2010/main" val="4163869981"/>
+      </p:ext>
+    </p:extLst>
+  </p:cSld>
+  <p:clrMapOvr>
+    <a:masterClrMapping/>
+  </p:clrMapOvr>
+</p:sld>
+</file>
+
+<file path=ppt/slides/slide14.xml><?xml version="1.0" encoding="utf-8"?>
+<p:sld xmlns:a="http://schemas.openxmlformats.org/drawingml/2006/main" xmlns:r="http://schemas.openxmlformats.org/officeDocument/2006/relationships" xmlns:p="http://schemas.openxmlformats.org/presentationml/2006/main">
+  <p:cSld>
+    <p:spTree>
+      <p:nvGrpSpPr>
+        <p:cNvPr id="1" name=""/>
+        <p:cNvGrpSpPr/>
+        <p:nvPr/>
+      </p:nvGrpSpPr>
+      <p:grpSpPr>
+        <a:xfrm>
+          <a:off x="0" y="0"/>
+          <a:ext cx="0" cy="0"/>
+          <a:chOff x="0" y="0"/>
+          <a:chExt cx="0" cy="0"/>
+        </a:xfrm>
+      </p:grpSpPr>
+      <p:sp>
+        <p:nvSpPr>
+          <p:cNvPr id="2" name="Title 1">
+            <a:extLst>
+              <a:ext uri="{FF2B5EF4-FFF2-40B4-BE49-F238E27FC236}">
+                <a16:creationId xmlns:a16="http://schemas.microsoft.com/office/drawing/2014/main" id="{95D8626E-05C6-AD4E-B171-D6E2821DF1A4}"/>
+              </a:ext>
+            </a:extLst>
+          </p:cNvPr>
+          <p:cNvSpPr>
+            <a:spLocks noGrp="1"/>
+          </p:cNvSpPr>
+          <p:nvPr>
+            <p:ph type="title"/>
+          </p:nvPr>
+        </p:nvSpPr>
+        <p:spPr/>
+        <p:txBody>
+          <a:bodyPr/>
+          <a:lstStyle/>
+          <a:p>
+            <a:r>
+              <a:rPr lang="en-US" dirty="0"/>
+              <a:t>Bayesian intervals with </a:t>
+            </a:r>
+            <a:r>
+              <a:rPr lang="en-US" dirty="0" err="1"/>
+              <a:t>rstanarm</a:t>
+            </a:r>
+            <a:endParaRPr lang="en-US" dirty="0"/>
+          </a:p>
+        </p:txBody>
+      </p:sp>
+      <p:sp>
+        <p:nvSpPr>
+          <p:cNvPr id="3" name="Content Placeholder 2">
+            <a:extLst>
+              <a:ext uri="{FF2B5EF4-FFF2-40B4-BE49-F238E27FC236}">
+                <a16:creationId xmlns:a16="http://schemas.microsoft.com/office/drawing/2014/main" id="{E2011DAB-CB29-8846-8EFB-51165C9AD8C8}"/>
+              </a:ext>
+            </a:extLst>
+          </p:cNvPr>
+          <p:cNvSpPr>
+            <a:spLocks noGrp="1"/>
+          </p:cNvSpPr>
+          <p:nvPr>
+            <p:ph idx="1"/>
+          </p:nvPr>
+        </p:nvSpPr>
+        <p:spPr/>
+        <p:txBody>
+          <a:bodyPr>
+            <a:normAutofit/>
+          </a:bodyPr>
+          <a:lstStyle/>
+          <a:p>
+            <a:r>
+              <a:rPr lang="en-US" dirty="0">
+                <a:latin typeface="Menlo" panose="020B0609030804020204" pitchFamily="49" charset="0"/>
+                <a:ea typeface="Menlo" panose="020B0609030804020204" pitchFamily="49" charset="0"/>
+                <a:cs typeface="Menlo" panose="020B0609030804020204" pitchFamily="49" charset="0"/>
+              </a:rPr>
+              <a:t>library(</a:t>
+            </a:r>
+            <a:r>
+              <a:rPr lang="en-US" dirty="0" err="1">
+                <a:latin typeface="Menlo" panose="020B0609030804020204" pitchFamily="49" charset="0"/>
+                <a:ea typeface="Menlo" panose="020B0609030804020204" pitchFamily="49" charset="0"/>
+                <a:cs typeface="Menlo" panose="020B0609030804020204" pitchFamily="49" charset="0"/>
+              </a:rPr>
+              <a:t>rstanarm</a:t>
+            </a:r>
+            <a:r>
+              <a:rPr lang="en-US" dirty="0">
+                <a:latin typeface="Menlo" panose="020B0609030804020204" pitchFamily="49" charset="0"/>
+                <a:ea typeface="Menlo" panose="020B0609030804020204" pitchFamily="49" charset="0"/>
+                <a:cs typeface="Menlo" panose="020B0609030804020204" pitchFamily="49" charset="0"/>
+              </a:rPr>
+              <a:t>) and library(</a:t>
+            </a:r>
+            <a:r>
+              <a:rPr lang="en-US" dirty="0" err="1">
+                <a:latin typeface="Menlo" panose="020B0609030804020204" pitchFamily="49" charset="0"/>
+                <a:ea typeface="Menlo" panose="020B0609030804020204" pitchFamily="49" charset="0"/>
+                <a:cs typeface="Menlo" panose="020B0609030804020204" pitchFamily="49" charset="0"/>
+              </a:rPr>
+              <a:t>tidybayes</a:t>
+            </a:r>
+            <a:r>
+              <a:rPr lang="en-US" dirty="0">
+                <a:latin typeface="Menlo" panose="020B0609030804020204" pitchFamily="49" charset="0"/>
+                <a:ea typeface="Menlo" panose="020B0609030804020204" pitchFamily="49" charset="0"/>
+                <a:cs typeface="Menlo" panose="020B0609030804020204" pitchFamily="49" charset="0"/>
+              </a:rPr>
+              <a:t>)</a:t>
+            </a:r>
+          </a:p>
+          <a:p>
+            <a:endParaRPr lang="en-US" dirty="0">
+              <a:latin typeface="Menlo" panose="020B0609030804020204" pitchFamily="49" charset="0"/>
+              <a:ea typeface="Menlo" panose="020B0609030804020204" pitchFamily="49" charset="0"/>
+              <a:cs typeface="Menlo" panose="020B0609030804020204" pitchFamily="49" charset="0"/>
+            </a:endParaRPr>
+          </a:p>
+          <a:p>
+            <a:r>
+              <a:rPr lang="en-US" dirty="0"/>
+              <a:t>Use </a:t>
+            </a:r>
+            <a:r>
+              <a:rPr lang="en-US" dirty="0" err="1">
+                <a:latin typeface="Menlo" panose="020B0609030804020204" pitchFamily="49" charset="0"/>
+                <a:ea typeface="Menlo" panose="020B0609030804020204" pitchFamily="49" charset="0"/>
+                <a:cs typeface="Menlo" panose="020B0609030804020204" pitchFamily="49" charset="0"/>
+              </a:rPr>
+              <a:t>stan_glm</a:t>
+            </a:r>
+            <a:r>
+              <a:rPr lang="en-US" dirty="0">
+                <a:latin typeface="Menlo" panose="020B0609030804020204" pitchFamily="49" charset="0"/>
+                <a:ea typeface="Menlo" panose="020B0609030804020204" pitchFamily="49" charset="0"/>
+                <a:cs typeface="Menlo" panose="020B0609030804020204" pitchFamily="49" charset="0"/>
+              </a:rPr>
+              <a:t>()</a:t>
+            </a:r>
+            <a:r>
+              <a:rPr lang="en-US" dirty="0"/>
+              <a:t> instead of </a:t>
+            </a:r>
+            <a:r>
+              <a:rPr lang="en-US" dirty="0" err="1">
+                <a:latin typeface="Menlo" panose="020B0609030804020204" pitchFamily="49" charset="0"/>
+                <a:ea typeface="Menlo" panose="020B0609030804020204" pitchFamily="49" charset="0"/>
+                <a:cs typeface="Menlo" panose="020B0609030804020204" pitchFamily="49" charset="0"/>
+              </a:rPr>
+              <a:t>lm</a:t>
+            </a:r>
+            <a:r>
+              <a:rPr lang="en-US" dirty="0"/>
+              <a:t>()</a:t>
+            </a:r>
+          </a:p>
+          <a:p>
+            <a:endParaRPr lang="en-US" dirty="0"/>
+          </a:p>
+          <a:p>
+            <a:r>
+              <a:rPr lang="en-US" dirty="0" err="1">
+                <a:latin typeface="Menlo" panose="020B0609030804020204" pitchFamily="49" charset="0"/>
+                <a:ea typeface="Menlo" panose="020B0609030804020204" pitchFamily="49" charset="0"/>
+                <a:cs typeface="Menlo" panose="020B0609030804020204" pitchFamily="49" charset="0"/>
+              </a:rPr>
+              <a:t>rstanarm</a:t>
+            </a:r>
+            <a:r>
+              <a:rPr lang="en-US" dirty="0"/>
+              <a:t> sets default priors which are </a:t>
+            </a:r>
+          </a:p>
+          <a:p>
+            <a:pPr lvl="1"/>
+            <a:r>
+              <a:rPr lang="en-US" dirty="0"/>
+              <a:t>Neutral</a:t>
+            </a:r>
+          </a:p>
+          <a:p>
+            <a:pPr lvl="1"/>
+            <a:r>
+              <a:rPr lang="en-US" dirty="0"/>
+              <a:t>Say that very large effects are less likely than small ones (so conservative)</a:t>
+            </a:r>
+          </a:p>
+          <a:p>
+            <a:pPr lvl="1"/>
+            <a:endParaRPr lang="en-US" dirty="0"/>
+          </a:p>
+          <a:p>
+            <a:r>
+              <a:rPr lang="en-US" dirty="0"/>
+              <a:t>Almost everything else stays the same.</a:t>
+            </a:r>
+          </a:p>
+        </p:txBody>
+      </p:sp>
+    </p:spTree>
+    <p:extLst>
+      <p:ext uri="{BB962C8B-B14F-4D97-AF65-F5344CB8AC3E}">
+        <p14:creationId xmlns:p14="http://schemas.microsoft.com/office/powerpoint/2010/main" val="2361937495"/>
       </p:ext>
     </p:extLst>
   </p:cSld>
@@ -3863,9 +5182,18 @@
             <a:endParaRPr lang="en-US" dirty="0"/>
           </a:p>
           <a:p>
-            <a:pPr marL="0" indent="0">
-              <a:buNone/>
-            </a:pPr>
+            <a:r>
+              <a:rPr lang="en-US" dirty="0"/>
+              <a:t>I am going to be very repetitive</a:t>
+            </a:r>
+          </a:p>
+          <a:p>
+            <a:r>
+              <a:rPr lang="en-US" dirty="0"/>
+              <a:t>I am going to be very repetitive</a:t>
+            </a:r>
+          </a:p>
+          <a:p>
             <a:endParaRPr lang="en-US" dirty="0"/>
           </a:p>
           <a:p>
@@ -3883,6 +5211,333 @@
   <p:clrMapOvr>
     <a:masterClrMapping/>
   </p:clrMapOvr>
+  <p:timing>
+    <p:tnLst>
+      <p:par>
+        <p:cTn id="1" dur="indefinite" restart="never" nodeType="tmRoot">
+          <p:childTnLst>
+            <p:seq concurrent="1" nextAc="seek">
+              <p:cTn id="2" dur="indefinite" nodeType="mainSeq">
+                <p:childTnLst>
+                  <p:par>
+                    <p:cTn id="3" fill="hold">
+                      <p:stCondLst>
+                        <p:cond delay="indefinite"/>
+                      </p:stCondLst>
+                      <p:childTnLst>
+                        <p:par>
+                          <p:cTn id="4" fill="hold">
+                            <p:stCondLst>
+                              <p:cond delay="0"/>
+                            </p:stCondLst>
+                            <p:childTnLst>
+                              <p:par>
+                                <p:cTn id="5" presetID="1" presetClass="entr" presetSubtype="0" fill="hold" grpId="0" nodeType="clickEffect">
+                                  <p:stCondLst>
+                                    <p:cond delay="0"/>
+                                  </p:stCondLst>
+                                  <p:childTnLst>
+                                    <p:set>
+                                      <p:cBhvr>
+                                        <p:cTn id="6" dur="1" fill="hold">
+                                          <p:stCondLst>
+                                            <p:cond delay="0"/>
+                                          </p:stCondLst>
+                                        </p:cTn>
+                                        <p:tgtEl>
+                                          <p:spTgt spid="3">
+                                            <p:txEl>
+                                              <p:pRg st="0" end="0"/>
+                                            </p:txEl>
+                                          </p:spTgt>
+                                        </p:tgtEl>
+                                        <p:attrNameLst>
+                                          <p:attrName>style.visibility</p:attrName>
+                                        </p:attrNameLst>
+                                      </p:cBhvr>
+                                      <p:to>
+                                        <p:strVal val="visible"/>
+                                      </p:to>
+                                    </p:set>
+                                  </p:childTnLst>
+                                </p:cTn>
+                              </p:par>
+                            </p:childTnLst>
+                          </p:cTn>
+                        </p:par>
+                      </p:childTnLst>
+                    </p:cTn>
+                  </p:par>
+                  <p:par>
+                    <p:cTn id="7" fill="hold">
+                      <p:stCondLst>
+                        <p:cond delay="indefinite"/>
+                      </p:stCondLst>
+                      <p:childTnLst>
+                        <p:par>
+                          <p:cTn id="8" fill="hold">
+                            <p:stCondLst>
+                              <p:cond delay="0"/>
+                            </p:stCondLst>
+                            <p:childTnLst>
+                              <p:par>
+                                <p:cTn id="9" presetID="1" presetClass="entr" presetSubtype="0" fill="hold" grpId="0" nodeType="clickEffect">
+                                  <p:stCondLst>
+                                    <p:cond delay="0"/>
+                                  </p:stCondLst>
+                                  <p:childTnLst>
+                                    <p:set>
+                                      <p:cBhvr>
+                                        <p:cTn id="10" dur="1" fill="hold">
+                                          <p:stCondLst>
+                                            <p:cond delay="0"/>
+                                          </p:stCondLst>
+                                        </p:cTn>
+                                        <p:tgtEl>
+                                          <p:spTgt spid="3">
+                                            <p:txEl>
+                                              <p:pRg st="1" end="1"/>
+                                            </p:txEl>
+                                          </p:spTgt>
+                                        </p:tgtEl>
+                                        <p:attrNameLst>
+                                          <p:attrName>style.visibility</p:attrName>
+                                        </p:attrNameLst>
+                                      </p:cBhvr>
+                                      <p:to>
+                                        <p:strVal val="visible"/>
+                                      </p:to>
+                                    </p:set>
+                                  </p:childTnLst>
+                                </p:cTn>
+                              </p:par>
+                            </p:childTnLst>
+                          </p:cTn>
+                        </p:par>
+                      </p:childTnLst>
+                    </p:cTn>
+                  </p:par>
+                  <p:par>
+                    <p:cTn id="11" fill="hold">
+                      <p:stCondLst>
+                        <p:cond delay="indefinite"/>
+                      </p:stCondLst>
+                      <p:childTnLst>
+                        <p:par>
+                          <p:cTn id="12" fill="hold">
+                            <p:stCondLst>
+                              <p:cond delay="0"/>
+                            </p:stCondLst>
+                            <p:childTnLst>
+                              <p:par>
+                                <p:cTn id="13" presetID="1" presetClass="entr" presetSubtype="0" fill="hold" grpId="0" nodeType="clickEffect">
+                                  <p:stCondLst>
+                                    <p:cond delay="0"/>
+                                  </p:stCondLst>
+                                  <p:childTnLst>
+                                    <p:set>
+                                      <p:cBhvr>
+                                        <p:cTn id="14" dur="1" fill="hold">
+                                          <p:stCondLst>
+                                            <p:cond delay="0"/>
+                                          </p:stCondLst>
+                                        </p:cTn>
+                                        <p:tgtEl>
+                                          <p:spTgt spid="3">
+                                            <p:txEl>
+                                              <p:pRg st="2" end="2"/>
+                                            </p:txEl>
+                                          </p:spTgt>
+                                        </p:tgtEl>
+                                        <p:attrNameLst>
+                                          <p:attrName>style.visibility</p:attrName>
+                                        </p:attrNameLst>
+                                      </p:cBhvr>
+                                      <p:to>
+                                        <p:strVal val="visible"/>
+                                      </p:to>
+                                    </p:set>
+                                  </p:childTnLst>
+                                </p:cTn>
+                              </p:par>
+                            </p:childTnLst>
+                          </p:cTn>
+                        </p:par>
+                      </p:childTnLst>
+                    </p:cTn>
+                  </p:par>
+                  <p:par>
+                    <p:cTn id="15" fill="hold">
+                      <p:stCondLst>
+                        <p:cond delay="indefinite"/>
+                      </p:stCondLst>
+                      <p:childTnLst>
+                        <p:par>
+                          <p:cTn id="16" fill="hold">
+                            <p:stCondLst>
+                              <p:cond delay="0"/>
+                            </p:stCondLst>
+                            <p:childTnLst>
+                              <p:par>
+                                <p:cTn id="17" presetID="1" presetClass="entr" presetSubtype="0" fill="hold" grpId="0" nodeType="clickEffect">
+                                  <p:stCondLst>
+                                    <p:cond delay="0"/>
+                                  </p:stCondLst>
+                                  <p:childTnLst>
+                                    <p:set>
+                                      <p:cBhvr>
+                                        <p:cTn id="18" dur="1" fill="hold">
+                                          <p:stCondLst>
+                                            <p:cond delay="0"/>
+                                          </p:stCondLst>
+                                        </p:cTn>
+                                        <p:tgtEl>
+                                          <p:spTgt spid="3">
+                                            <p:txEl>
+                                              <p:pRg st="3" end="3"/>
+                                            </p:txEl>
+                                          </p:spTgt>
+                                        </p:tgtEl>
+                                        <p:attrNameLst>
+                                          <p:attrName>style.visibility</p:attrName>
+                                        </p:attrNameLst>
+                                      </p:cBhvr>
+                                      <p:to>
+                                        <p:strVal val="visible"/>
+                                      </p:to>
+                                    </p:set>
+                                  </p:childTnLst>
+                                </p:cTn>
+                              </p:par>
+                            </p:childTnLst>
+                          </p:cTn>
+                        </p:par>
+                      </p:childTnLst>
+                    </p:cTn>
+                  </p:par>
+                  <p:par>
+                    <p:cTn id="19" fill="hold">
+                      <p:stCondLst>
+                        <p:cond delay="indefinite"/>
+                      </p:stCondLst>
+                      <p:childTnLst>
+                        <p:par>
+                          <p:cTn id="20" fill="hold">
+                            <p:stCondLst>
+                              <p:cond delay="0"/>
+                            </p:stCondLst>
+                            <p:childTnLst>
+                              <p:par>
+                                <p:cTn id="21" presetID="1" presetClass="entr" presetSubtype="0" fill="hold" grpId="0" nodeType="clickEffect">
+                                  <p:stCondLst>
+                                    <p:cond delay="0"/>
+                                  </p:stCondLst>
+                                  <p:childTnLst>
+                                    <p:set>
+                                      <p:cBhvr>
+                                        <p:cTn id="22" dur="1" fill="hold">
+                                          <p:stCondLst>
+                                            <p:cond delay="0"/>
+                                          </p:stCondLst>
+                                        </p:cTn>
+                                        <p:tgtEl>
+                                          <p:spTgt spid="3">
+                                            <p:txEl>
+                                              <p:pRg st="5" end="5"/>
+                                            </p:txEl>
+                                          </p:spTgt>
+                                        </p:tgtEl>
+                                        <p:attrNameLst>
+                                          <p:attrName>style.visibility</p:attrName>
+                                        </p:attrNameLst>
+                                      </p:cBhvr>
+                                      <p:to>
+                                        <p:strVal val="visible"/>
+                                      </p:to>
+                                    </p:set>
+                                  </p:childTnLst>
+                                </p:cTn>
+                              </p:par>
+                            </p:childTnLst>
+                          </p:cTn>
+                        </p:par>
+                      </p:childTnLst>
+                    </p:cTn>
+                  </p:par>
+                  <p:par>
+                    <p:cTn id="23" fill="hold">
+                      <p:stCondLst>
+                        <p:cond delay="indefinite"/>
+                      </p:stCondLst>
+                      <p:childTnLst>
+                        <p:par>
+                          <p:cTn id="24" fill="hold">
+                            <p:stCondLst>
+                              <p:cond delay="0"/>
+                            </p:stCondLst>
+                            <p:childTnLst>
+                              <p:par>
+                                <p:cTn id="25" presetID="1" presetClass="entr" presetSubtype="0" fill="hold" grpId="0" nodeType="clickEffect">
+                                  <p:stCondLst>
+                                    <p:cond delay="0"/>
+                                  </p:stCondLst>
+                                  <p:childTnLst>
+                                    <p:set>
+                                      <p:cBhvr>
+                                        <p:cTn id="26" dur="1" fill="hold">
+                                          <p:stCondLst>
+                                            <p:cond delay="0"/>
+                                          </p:stCondLst>
+                                        </p:cTn>
+                                        <p:tgtEl>
+                                          <p:spTgt spid="3">
+                                            <p:txEl>
+                                              <p:pRg st="6" end="6"/>
+                                            </p:txEl>
+                                          </p:spTgt>
+                                        </p:tgtEl>
+                                        <p:attrNameLst>
+                                          <p:attrName>style.visibility</p:attrName>
+                                        </p:attrNameLst>
+                                      </p:cBhvr>
+                                      <p:to>
+                                        <p:strVal val="visible"/>
+                                      </p:to>
+                                    </p:set>
+                                  </p:childTnLst>
+                                </p:cTn>
+                              </p:par>
+                            </p:childTnLst>
+                          </p:cTn>
+                        </p:par>
+                      </p:childTnLst>
+                    </p:cTn>
+                  </p:par>
+                </p:childTnLst>
+              </p:cTn>
+              <p:prevCondLst>
+                <p:cond evt="onPrev" delay="0">
+                  <p:tgtEl>
+                    <p:sldTgt/>
+                  </p:tgtEl>
+                </p:cond>
+              </p:prevCondLst>
+              <p:nextCondLst>
+                <p:cond evt="onNext" delay="0">
+                  <p:tgtEl>
+                    <p:sldTgt/>
+                  </p:tgtEl>
+                </p:cond>
+              </p:nextCondLst>
+            </p:seq>
+          </p:childTnLst>
+        </p:cTn>
+      </p:par>
+    </p:tnLst>
+    <p:bldLst>
+      <p:bldP spid="3" grpId="0" uiExpand="1" build="p"/>
+    </p:bldLst>
+  </p:timing>
 </p:sld>
 </file>
 
@@ -3984,13 +5639,25 @@
           <a:p>
             <a:r>
               <a:rPr lang="en-US" dirty="0"/>
-              <a:t>Intervals relate to the probability something is true</a:t>
-            </a:r>
-          </a:p>
-          <a:p>
+              <a:t>Intervals relate to the probability </a:t>
+            </a:r>
+            <a:r>
+              <a:rPr lang="en-US" b="1" dirty="0">
+                <a:solidFill>
+                  <a:srgbClr val="FF0000"/>
+                </a:solidFill>
+              </a:rPr>
+              <a:t>something</a:t>
+            </a:r>
             <a:r>
               <a:rPr lang="en-US" dirty="0"/>
-              <a:t>We often give the “95% interval” (this is a bit arbitrary)</a:t>
+              <a:t> is true</a:t>
+            </a:r>
+          </a:p>
+          <a:p>
+            <a:r>
+              <a:rPr lang="en-US" dirty="0"/>
+              <a:t>We often give the “95% interval” (this is arbitrary)</a:t>
             </a:r>
           </a:p>
           <a:p>
@@ -4000,21 +5667,21 @@
           <a:p>
             <a:r>
               <a:rPr lang="en-US" dirty="0"/>
-              <a:t>95% relates to</a:t>
+              <a:t>95% interval can relate to</a:t>
             </a:r>
           </a:p>
           <a:p>
             <a:pPr lvl="1"/>
             <a:r>
               <a:rPr lang="en-US" dirty="0"/>
-              <a:t>The population average </a:t>
+              <a:t>The average </a:t>
             </a:r>
           </a:p>
           <a:p>
             <a:pPr lvl="1"/>
             <a:r>
               <a:rPr lang="en-US" dirty="0"/>
-              <a:t>New samples</a:t>
+              <a:t>Individuals</a:t>
             </a:r>
           </a:p>
         </p:txBody>
@@ -4445,7 +6112,7 @@
           <a:p>
             <a:r>
               <a:rPr lang="en-US" dirty="0"/>
-              <a:t>95% of the time</a:t>
+              <a:t>“95% of the time”</a:t>
             </a:r>
           </a:p>
         </p:txBody>
@@ -4466,10 +6133,15 @@
             <p:ph idx="1"/>
           </p:nvPr>
         </p:nvSpPr>
-        <p:spPr/>
+        <p:spPr>
+          <a:xfrm>
+            <a:off x="838200" y="1690688"/>
+            <a:ext cx="10515600" cy="4856163"/>
+          </a:xfrm>
+        </p:spPr>
         <p:txBody>
           <a:bodyPr>
-            <a:normAutofit fontScale="92500" lnSpcReduction="10000"/>
+            <a:normAutofit fontScale="92500" lnSpcReduction="20000"/>
           </a:bodyPr>
           <a:lstStyle/>
           <a:p>
@@ -4500,6 +6172,10 @@
             </a:r>
           </a:p>
           <a:p>
+            <a:pPr lvl="1"/>
+            <a:endParaRPr lang="en-US" dirty="0"/>
+          </a:p>
+          <a:p>
             <a:pPr marL="0" indent="0">
               <a:buNone/>
             </a:pPr>
@@ -4509,7 +6185,7 @@
             </a:r>
             <a:r>
               <a:rPr lang="en-US" dirty="0" err="1"/>
-              <a:t>data|estimate</a:t>
+              <a:t>data|null</a:t>
             </a:r>
             <a:r>
               <a:rPr lang="en-US" dirty="0"/>
@@ -4547,6 +6223,10 @@
             </a:r>
           </a:p>
           <a:p>
+            <a:pPr lvl="1"/>
+            <a:endParaRPr lang="en-US" dirty="0"/>
+          </a:p>
+          <a:p>
             <a:pPr marL="0" indent="0">
               <a:buNone/>
             </a:pPr>
@@ -4556,13 +6236,29 @@
             </a:r>
             <a:r>
               <a:rPr lang="en-US" dirty="0" err="1"/>
-              <a:t>estimate|data</a:t>
-            </a:r>
-            <a:r>
-              <a:rPr lang="en-US"/>
+              <a:t>null|estimate</a:t>
+            </a:r>
+            <a:r>
+              <a:rPr lang="en-US" dirty="0"/>
+              <a:t>) or</a:t>
+            </a:r>
+          </a:p>
+          <a:p>
+            <a:pPr marL="0" indent="0">
+              <a:buNone/>
+            </a:pPr>
+            <a:r>
+              <a:rPr lang="en-US" dirty="0"/>
+              <a:t>p(</a:t>
+            </a:r>
+            <a:r>
+              <a:rPr lang="en-US" dirty="0" err="1"/>
+              <a:t>theory|estimate</a:t>
+            </a:r>
+            <a:r>
+              <a:rPr lang="en-US" dirty="0"/>
               <a:t>)</a:t>
             </a:r>
-            <a:endParaRPr lang="en-US" dirty="0"/>
           </a:p>
         </p:txBody>
       </p:sp>
@@ -4723,7 +6419,7 @@
                                         <p:tgtEl>
                                           <p:spTgt spid="3">
                                             <p:txEl>
-                                              <p:pRg st="3" end="3"/>
+                                              <p:pRg st="4" end="4"/>
                                             </p:txEl>
                                           </p:spTgt>
                                         </p:tgtEl>
@@ -4772,7 +6468,7 @@
                                         <p:tgtEl>
                                           <p:spTgt spid="3">
                                             <p:txEl>
-                                              <p:pRg st="5" end="5"/>
+                                              <p:pRg st="6" end="6"/>
                                             </p:txEl>
                                           </p:spTgt>
                                         </p:tgtEl>
@@ -4803,7 +6499,7 @@
                                         <p:tgtEl>
                                           <p:spTgt spid="3">
                                             <p:txEl>
-                                              <p:pRg st="6" end="6"/>
+                                              <p:pRg st="7" end="7"/>
                                             </p:txEl>
                                           </p:spTgt>
                                         </p:tgtEl>
@@ -4834,7 +6530,7 @@
                                         <p:tgtEl>
                                           <p:spTgt spid="3">
                                             <p:txEl>
-                                              <p:pRg st="7" end="7"/>
+                                              <p:pRg st="8" end="8"/>
                                             </p:txEl>
                                           </p:spTgt>
                                         </p:tgtEl>
@@ -4883,7 +6579,56 @@
                                         <p:tgtEl>
                                           <p:spTgt spid="3">
                                             <p:txEl>
-                                              <p:pRg st="8" end="8"/>
+                                              <p:pRg st="10" end="10"/>
+                                            </p:txEl>
+                                          </p:spTgt>
+                                        </p:tgtEl>
+                                        <p:attrNameLst>
+                                          <p:attrName>style.visibility</p:attrName>
+                                        </p:attrNameLst>
+                                      </p:cBhvr>
+                                      <p:to>
+                                        <p:strVal val="visible"/>
+                                      </p:to>
+                                    </p:set>
+                                  </p:childTnLst>
+                                </p:cTn>
+                              </p:par>
+                            </p:childTnLst>
+                          </p:cTn>
+                        </p:par>
+                      </p:childTnLst>
+                    </p:cTn>
+                  </p:par>
+                  <p:par>
+                    <p:cTn id="27" fill="hold">
+                      <p:stCondLst>
+                        <p:cond delay="indefinite"/>
+                      </p:stCondLst>
+                      <p:childTnLst>
+                        <p:par>
+                          <p:cTn id="28" fill="hold">
+                            <p:stCondLst>
+                              <p:cond delay="0"/>
+                            </p:stCondLst>
+                            <p:childTnLst>
+                              <p:par>
+                                <p:cTn id="29" presetID="1" presetClass="entr" presetSubtype="0" fill="hold" grpId="0" nodeType="clickEffect">
+                                  <p:stCondLst>
+                                    <p:cond delay="0"/>
+                                  </p:stCondLst>
+                                  <p:childTnLst>
+                                    <p:set>
+                                      <p:cBhvr>
+                                        <p:cTn id="30" dur="1" fill="hold">
+                                          <p:stCondLst>
+                                            <p:cond delay="0"/>
+                                          </p:stCondLst>
+                                        </p:cTn>
+                                        <p:tgtEl>
+                                          <p:spTgt spid="3">
+                                            <p:txEl>
+                                              <p:pRg st="11" end="11"/>
                                             </p:txEl>
                                           </p:spTgt>
                                         </p:tgtEl>
@@ -4933,6 +6678,675 @@
 </file>
 
 <file path=ppt/slides/slide5.xml><?xml version="1.0" encoding="utf-8"?>
+<p:sld xmlns:a="http://schemas.openxmlformats.org/drawingml/2006/main" xmlns:r="http://schemas.openxmlformats.org/officeDocument/2006/relationships" xmlns:p="http://schemas.openxmlformats.org/presentationml/2006/main">
+  <p:cSld>
+    <p:spTree>
+      <p:nvGrpSpPr>
+        <p:cNvPr id="1" name=""/>
+        <p:cNvGrpSpPr/>
+        <p:nvPr/>
+      </p:nvGrpSpPr>
+      <p:grpSpPr>
+        <a:xfrm>
+          <a:off x="0" y="0"/>
+          <a:ext cx="0" cy="0"/>
+          <a:chOff x="0" y="0"/>
+          <a:chExt cx="0" cy="0"/>
+        </a:xfrm>
+      </p:grpSpPr>
+      <p:sp>
+        <p:nvSpPr>
+          <p:cNvPr id="2" name="Title 1">
+            <a:extLst>
+              <a:ext uri="{FF2B5EF4-FFF2-40B4-BE49-F238E27FC236}">
+                <a16:creationId xmlns:a16="http://schemas.microsoft.com/office/drawing/2014/main" id="{26267653-FFFD-814B-B15A-53DF0573EE01}"/>
+              </a:ext>
+            </a:extLst>
+          </p:cNvPr>
+          <p:cNvSpPr>
+            <a:spLocks noGrp="1"/>
+          </p:cNvSpPr>
+          <p:nvPr>
+            <p:ph type="title"/>
+          </p:nvPr>
+        </p:nvSpPr>
+        <p:spPr/>
+        <p:txBody>
+          <a:bodyPr/>
+          <a:lstStyle/>
+          <a:p>
+            <a:r>
+              <a:rPr lang="en-US" dirty="0"/>
+              <a:t>“In the long run…”</a:t>
+            </a:r>
+          </a:p>
+        </p:txBody>
+      </p:sp>
+      <p:sp>
+        <p:nvSpPr>
+          <p:cNvPr id="3" name="Content Placeholder 2">
+            <a:extLst>
+              <a:ext uri="{FF2B5EF4-FFF2-40B4-BE49-F238E27FC236}">
+                <a16:creationId xmlns:a16="http://schemas.microsoft.com/office/drawing/2014/main" id="{230A36E7-97A5-0649-99CE-176FCA30299F}"/>
+              </a:ext>
+            </a:extLst>
+          </p:cNvPr>
+          <p:cNvSpPr>
+            <a:spLocks noGrp="1"/>
+          </p:cNvSpPr>
+          <p:nvPr>
+            <p:ph idx="1"/>
+          </p:nvPr>
+        </p:nvSpPr>
+        <p:spPr/>
+        <p:txBody>
+          <a:bodyPr>
+            <a:normAutofit/>
+          </a:bodyPr>
+          <a:lstStyle/>
+          <a:p>
+            <a:r>
+              <a:rPr lang="en-US" dirty="0"/>
+              <a:t>Collect sample A</a:t>
+            </a:r>
+          </a:p>
+          <a:p>
+            <a:r>
+              <a:rPr lang="en-US" dirty="0"/>
+              <a:t>Calculate 95% </a:t>
+            </a:r>
+            <a:r>
+              <a:rPr lang="en-US" b="1" dirty="0"/>
+              <a:t>confidence interval </a:t>
+            </a:r>
+            <a:r>
+              <a:rPr lang="en-US" dirty="0"/>
+              <a:t>for the mean (or a prediction)</a:t>
+            </a:r>
+          </a:p>
+          <a:p>
+            <a:endParaRPr lang="en-US" dirty="0"/>
+          </a:p>
+          <a:p>
+            <a:r>
+              <a:rPr lang="en-US" dirty="0"/>
+              <a:t>Collect 100 new samples of same size from same population</a:t>
+            </a:r>
+          </a:p>
+          <a:p>
+            <a:r>
+              <a:rPr lang="en-US" dirty="0"/>
+              <a:t>Calculate the CI each time</a:t>
+            </a:r>
+          </a:p>
+          <a:p>
+            <a:r>
+              <a:rPr lang="en-US" b="1" dirty="0">
+                <a:solidFill>
+                  <a:srgbClr val="FF0000"/>
+                </a:solidFill>
+              </a:rPr>
+              <a:t>95% of these CI’s will contain the population mean</a:t>
+            </a:r>
+          </a:p>
+          <a:p>
+            <a:endParaRPr lang="en-US" dirty="0"/>
+          </a:p>
+          <a:p>
+            <a:r>
+              <a:rPr lang="en-US" dirty="0"/>
+              <a:t>NOT the probability that the CI in sample A contains the true mean</a:t>
+            </a:r>
+          </a:p>
+          <a:p>
+            <a:endParaRPr lang="en-US" dirty="0"/>
+          </a:p>
+        </p:txBody>
+      </p:sp>
+    </p:spTree>
+    <p:extLst>
+      <p:ext uri="{BB962C8B-B14F-4D97-AF65-F5344CB8AC3E}">
+        <p14:creationId xmlns:p14="http://schemas.microsoft.com/office/powerpoint/2010/main" val="4290121693"/>
+      </p:ext>
+    </p:extLst>
+  </p:cSld>
+  <p:clrMapOvr>
+    <a:masterClrMapping/>
+  </p:clrMapOvr>
+  <p:timing>
+    <p:tnLst>
+      <p:par>
+        <p:cTn id="1" dur="indefinite" restart="never" nodeType="tmRoot">
+          <p:childTnLst>
+            <p:seq concurrent="1" nextAc="seek">
+              <p:cTn id="2" dur="indefinite" nodeType="mainSeq">
+                <p:childTnLst>
+                  <p:par>
+                    <p:cTn id="3" fill="hold">
+                      <p:stCondLst>
+                        <p:cond delay="indefinite"/>
+                      </p:stCondLst>
+                      <p:childTnLst>
+                        <p:par>
+                          <p:cTn id="4" fill="hold">
+                            <p:stCondLst>
+                              <p:cond delay="0"/>
+                            </p:stCondLst>
+                            <p:childTnLst>
+                              <p:par>
+                                <p:cTn id="5" presetID="1" presetClass="entr" presetSubtype="0" fill="hold" grpId="0" nodeType="clickEffect">
+                                  <p:stCondLst>
+                                    <p:cond delay="0"/>
+                                  </p:stCondLst>
+                                  <p:childTnLst>
+                                    <p:set>
+                                      <p:cBhvr>
+                                        <p:cTn id="6" dur="1" fill="hold">
+                                          <p:stCondLst>
+                                            <p:cond delay="0"/>
+                                          </p:stCondLst>
+                                        </p:cTn>
+                                        <p:tgtEl>
+                                          <p:spTgt spid="3">
+                                            <p:txEl>
+                                              <p:pRg st="0" end="0"/>
+                                            </p:txEl>
+                                          </p:spTgt>
+                                        </p:tgtEl>
+                                        <p:attrNameLst>
+                                          <p:attrName>style.visibility</p:attrName>
+                                        </p:attrNameLst>
+                                      </p:cBhvr>
+                                      <p:to>
+                                        <p:strVal val="visible"/>
+                                      </p:to>
+                                    </p:set>
+                                  </p:childTnLst>
+                                </p:cTn>
+                              </p:par>
+                            </p:childTnLst>
+                          </p:cTn>
+                        </p:par>
+                      </p:childTnLst>
+                    </p:cTn>
+                  </p:par>
+                  <p:par>
+                    <p:cTn id="7" fill="hold">
+                      <p:stCondLst>
+                        <p:cond delay="indefinite"/>
+                      </p:stCondLst>
+                      <p:childTnLst>
+                        <p:par>
+                          <p:cTn id="8" fill="hold">
+                            <p:stCondLst>
+                              <p:cond delay="0"/>
+                            </p:stCondLst>
+                            <p:childTnLst>
+                              <p:par>
+                                <p:cTn id="9" presetID="1" presetClass="entr" presetSubtype="0" fill="hold" grpId="0" nodeType="clickEffect">
+                                  <p:stCondLst>
+                                    <p:cond delay="0"/>
+                                  </p:stCondLst>
+                                  <p:childTnLst>
+                                    <p:set>
+                                      <p:cBhvr>
+                                        <p:cTn id="10" dur="1" fill="hold">
+                                          <p:stCondLst>
+                                            <p:cond delay="0"/>
+                                          </p:stCondLst>
+                                        </p:cTn>
+                                        <p:tgtEl>
+                                          <p:spTgt spid="3">
+                                            <p:txEl>
+                                              <p:pRg st="1" end="1"/>
+                                            </p:txEl>
+                                          </p:spTgt>
+                                        </p:tgtEl>
+                                        <p:attrNameLst>
+                                          <p:attrName>style.visibility</p:attrName>
+                                        </p:attrNameLst>
+                                      </p:cBhvr>
+                                      <p:to>
+                                        <p:strVal val="visible"/>
+                                      </p:to>
+                                    </p:set>
+                                  </p:childTnLst>
+                                </p:cTn>
+                              </p:par>
+                            </p:childTnLst>
+                          </p:cTn>
+                        </p:par>
+                      </p:childTnLst>
+                    </p:cTn>
+                  </p:par>
+                  <p:par>
+                    <p:cTn id="11" fill="hold">
+                      <p:stCondLst>
+                        <p:cond delay="indefinite"/>
+                      </p:stCondLst>
+                      <p:childTnLst>
+                        <p:par>
+                          <p:cTn id="12" fill="hold">
+                            <p:stCondLst>
+                              <p:cond delay="0"/>
+                            </p:stCondLst>
+                            <p:childTnLst>
+                              <p:par>
+                                <p:cTn id="13" presetID="3" presetClass="emph" presetSubtype="2" fill="hold" nodeType="clickEffect">
+                                  <p:stCondLst>
+                                    <p:cond delay="0"/>
+                                  </p:stCondLst>
+                                  <p:childTnLst>
+                                    <p:animClr clrSpc="rgb" dir="cw">
+                                      <p:cBhvr override="childStyle">
+                                        <p:cTn id="14" dur="2000" fill="hold"/>
+                                        <p:tgtEl>
+                                          <p:spTgt spid="3">
+                                            <p:txEl>
+                                              <p:pRg st="0" end="0"/>
+                                            </p:txEl>
+                                          </p:spTgt>
+                                        </p:tgtEl>
+                                        <p:attrNameLst>
+                                          <p:attrName>style.color</p:attrName>
+                                        </p:attrNameLst>
+                                      </p:cBhvr>
+                                      <p:to>
+                                        <a:schemeClr val="bg2"/>
+                                      </p:to>
+                                    </p:animClr>
+                                  </p:childTnLst>
+                                </p:cTn>
+                              </p:par>
+                              <p:par>
+                                <p:cTn id="15" presetID="3" presetClass="emph" presetSubtype="2" fill="hold" nodeType="withEffect">
+                                  <p:stCondLst>
+                                    <p:cond delay="0"/>
+                                  </p:stCondLst>
+                                  <p:childTnLst>
+                                    <p:animClr clrSpc="rgb" dir="cw">
+                                      <p:cBhvr override="childStyle">
+                                        <p:cTn id="16" dur="2000" fill="hold"/>
+                                        <p:tgtEl>
+                                          <p:spTgt spid="3">
+                                            <p:txEl>
+                                              <p:pRg st="1" end="1"/>
+                                            </p:txEl>
+                                          </p:spTgt>
+                                        </p:tgtEl>
+                                        <p:attrNameLst>
+                                          <p:attrName>style.color</p:attrName>
+                                        </p:attrNameLst>
+                                      </p:cBhvr>
+                                      <p:to>
+                                        <a:schemeClr val="bg2"/>
+                                      </p:to>
+                                    </p:animClr>
+                                  </p:childTnLst>
+                                </p:cTn>
+                              </p:par>
+                            </p:childTnLst>
+                          </p:cTn>
+                        </p:par>
+                      </p:childTnLst>
+                    </p:cTn>
+                  </p:par>
+                  <p:par>
+                    <p:cTn id="17" fill="hold">
+                      <p:stCondLst>
+                        <p:cond delay="indefinite"/>
+                      </p:stCondLst>
+                      <p:childTnLst>
+                        <p:par>
+                          <p:cTn id="18" fill="hold">
+                            <p:stCondLst>
+                              <p:cond delay="0"/>
+                            </p:stCondLst>
+                            <p:childTnLst>
+                              <p:par>
+                                <p:cTn id="19" presetID="1" presetClass="entr" presetSubtype="0" fill="hold" grpId="0" nodeType="clickEffect">
+                                  <p:stCondLst>
+                                    <p:cond delay="0"/>
+                                  </p:stCondLst>
+                                  <p:childTnLst>
+                                    <p:set>
+                                      <p:cBhvr>
+                                        <p:cTn id="20" dur="1" fill="hold">
+                                          <p:stCondLst>
+                                            <p:cond delay="0"/>
+                                          </p:stCondLst>
+                                        </p:cTn>
+                                        <p:tgtEl>
+                                          <p:spTgt spid="3">
+                                            <p:txEl>
+                                              <p:pRg st="3" end="3"/>
+                                            </p:txEl>
+                                          </p:spTgt>
+                                        </p:tgtEl>
+                                        <p:attrNameLst>
+                                          <p:attrName>style.visibility</p:attrName>
+                                        </p:attrNameLst>
+                                      </p:cBhvr>
+                                      <p:to>
+                                        <p:strVal val="visible"/>
+                                      </p:to>
+                                    </p:set>
+                                  </p:childTnLst>
+                                </p:cTn>
+                              </p:par>
+                            </p:childTnLst>
+                          </p:cTn>
+                        </p:par>
+                      </p:childTnLst>
+                    </p:cTn>
+                  </p:par>
+                  <p:par>
+                    <p:cTn id="21" fill="hold">
+                      <p:stCondLst>
+                        <p:cond delay="indefinite"/>
+                      </p:stCondLst>
+                      <p:childTnLst>
+                        <p:par>
+                          <p:cTn id="22" fill="hold">
+                            <p:stCondLst>
+                              <p:cond delay="0"/>
+                            </p:stCondLst>
+                            <p:childTnLst>
+                              <p:par>
+                                <p:cTn id="23" presetID="1" presetClass="entr" presetSubtype="0" fill="hold" grpId="0" nodeType="clickEffect">
+                                  <p:stCondLst>
+                                    <p:cond delay="0"/>
+                                  </p:stCondLst>
+                                  <p:childTnLst>
+                                    <p:set>
+                                      <p:cBhvr>
+                                        <p:cTn id="24" dur="1" fill="hold">
+                                          <p:stCondLst>
+                                            <p:cond delay="0"/>
+                                          </p:stCondLst>
+                                        </p:cTn>
+                                        <p:tgtEl>
+                                          <p:spTgt spid="3">
+                                            <p:txEl>
+                                              <p:pRg st="4" end="4"/>
+                                            </p:txEl>
+                                          </p:spTgt>
+                                        </p:tgtEl>
+                                        <p:attrNameLst>
+                                          <p:attrName>style.visibility</p:attrName>
+                                        </p:attrNameLst>
+                                      </p:cBhvr>
+                                      <p:to>
+                                        <p:strVal val="visible"/>
+                                      </p:to>
+                                    </p:set>
+                                  </p:childTnLst>
+                                </p:cTn>
+                              </p:par>
+                            </p:childTnLst>
+                          </p:cTn>
+                        </p:par>
+                      </p:childTnLst>
+                    </p:cTn>
+                  </p:par>
+                  <p:par>
+                    <p:cTn id="25" fill="hold">
+                      <p:stCondLst>
+                        <p:cond delay="indefinite"/>
+                      </p:stCondLst>
+                      <p:childTnLst>
+                        <p:par>
+                          <p:cTn id="26" fill="hold">
+                            <p:stCondLst>
+                              <p:cond delay="0"/>
+                            </p:stCondLst>
+                            <p:childTnLst>
+                              <p:par>
+                                <p:cTn id="27" presetID="1" presetClass="entr" presetSubtype="0" fill="hold" grpId="0" nodeType="clickEffect">
+                                  <p:stCondLst>
+                                    <p:cond delay="0"/>
+                                  </p:stCondLst>
+                                  <p:childTnLst>
+                                    <p:set>
+                                      <p:cBhvr>
+                                        <p:cTn id="28" dur="1" fill="hold">
+                                          <p:stCondLst>
+                                            <p:cond delay="0"/>
+                                          </p:stCondLst>
+                                        </p:cTn>
+                                        <p:tgtEl>
+                                          <p:spTgt spid="3">
+                                            <p:txEl>
+                                              <p:pRg st="5" end="5"/>
+                                            </p:txEl>
+                                          </p:spTgt>
+                                        </p:tgtEl>
+                                        <p:attrNameLst>
+                                          <p:attrName>style.visibility</p:attrName>
+                                        </p:attrNameLst>
+                                      </p:cBhvr>
+                                      <p:to>
+                                        <p:strVal val="visible"/>
+                                      </p:to>
+                                    </p:set>
+                                  </p:childTnLst>
+                                </p:cTn>
+                              </p:par>
+                            </p:childTnLst>
+                          </p:cTn>
+                        </p:par>
+                      </p:childTnLst>
+                    </p:cTn>
+                  </p:par>
+                  <p:par>
+                    <p:cTn id="29" fill="hold">
+                      <p:stCondLst>
+                        <p:cond delay="indefinite"/>
+                      </p:stCondLst>
+                      <p:childTnLst>
+                        <p:par>
+                          <p:cTn id="30" fill="hold">
+                            <p:stCondLst>
+                              <p:cond delay="0"/>
+                            </p:stCondLst>
+                            <p:childTnLst>
+                              <p:par>
+                                <p:cTn id="31" presetID="1" presetClass="entr" presetSubtype="0" fill="hold" grpId="0" nodeType="clickEffect">
+                                  <p:stCondLst>
+                                    <p:cond delay="0"/>
+                                  </p:stCondLst>
+                                  <p:childTnLst>
+                                    <p:set>
+                                      <p:cBhvr>
+                                        <p:cTn id="32" dur="1" fill="hold">
+                                          <p:stCondLst>
+                                            <p:cond delay="0"/>
+                                          </p:stCondLst>
+                                        </p:cTn>
+                                        <p:tgtEl>
+                                          <p:spTgt spid="3">
+                                            <p:txEl>
+                                              <p:pRg st="7" end="7"/>
+                                            </p:txEl>
+                                          </p:spTgt>
+                                        </p:tgtEl>
+                                        <p:attrNameLst>
+                                          <p:attrName>style.visibility</p:attrName>
+                                        </p:attrNameLst>
+                                      </p:cBhvr>
+                                      <p:to>
+                                        <p:strVal val="visible"/>
+                                      </p:to>
+                                    </p:set>
+                                  </p:childTnLst>
+                                </p:cTn>
+                              </p:par>
+                            </p:childTnLst>
+                          </p:cTn>
+                        </p:par>
+                      </p:childTnLst>
+                    </p:cTn>
+                  </p:par>
+                </p:childTnLst>
+              </p:cTn>
+              <p:prevCondLst>
+                <p:cond evt="onPrev" delay="0">
+                  <p:tgtEl>
+                    <p:sldTgt/>
+                  </p:tgtEl>
+                </p:cond>
+              </p:prevCondLst>
+              <p:nextCondLst>
+                <p:cond evt="onNext" delay="0">
+                  <p:tgtEl>
+                    <p:sldTgt/>
+                  </p:tgtEl>
+                </p:cond>
+              </p:nextCondLst>
+            </p:seq>
+          </p:childTnLst>
+        </p:cTn>
+      </p:par>
+    </p:tnLst>
+    <p:bldLst>
+      <p:bldP spid="3" grpId="0" uiExpand="1" build="p"/>
+    </p:bldLst>
+  </p:timing>
+</p:sld>
+</file>
+
+<file path=ppt/slides/slide6.xml><?xml version="1.0" encoding="utf-8"?>
+<p:sld xmlns:a="http://schemas.openxmlformats.org/drawingml/2006/main" xmlns:r="http://schemas.openxmlformats.org/officeDocument/2006/relationships" xmlns:p="http://schemas.openxmlformats.org/presentationml/2006/main">
+  <p:cSld>
+    <p:spTree>
+      <p:nvGrpSpPr>
+        <p:cNvPr id="1" name=""/>
+        <p:cNvGrpSpPr/>
+        <p:nvPr/>
+      </p:nvGrpSpPr>
+      <p:grpSpPr>
+        <a:xfrm>
+          <a:off x="0" y="0"/>
+          <a:ext cx="0" cy="0"/>
+          <a:chOff x="0" y="0"/>
+          <a:chExt cx="0" cy="0"/>
+        </a:xfrm>
+      </p:grpSpPr>
+      <p:sp>
+        <p:nvSpPr>
+          <p:cNvPr id="2" name="Title 1">
+            <a:extLst>
+              <a:ext uri="{FF2B5EF4-FFF2-40B4-BE49-F238E27FC236}">
+                <a16:creationId xmlns:a16="http://schemas.microsoft.com/office/drawing/2014/main" id="{76D3C429-50A7-FF4B-A09C-FD282D5EEAF9}"/>
+              </a:ext>
+            </a:extLst>
+          </p:cNvPr>
+          <p:cNvSpPr>
+            <a:spLocks noGrp="1"/>
+          </p:cNvSpPr>
+          <p:nvPr>
+            <p:ph type="title"/>
+          </p:nvPr>
+        </p:nvSpPr>
+        <p:spPr/>
+        <p:txBody>
+          <a:bodyPr/>
+          <a:lstStyle/>
+          <a:p>
+            <a:r>
+              <a:rPr lang="en-US" dirty="0"/>
+              <a:t>Bayes: “Based on what we know…”</a:t>
+            </a:r>
+          </a:p>
+        </p:txBody>
+      </p:sp>
+      <p:sp>
+        <p:nvSpPr>
+          <p:cNvPr id="3" name="Content Placeholder 2">
+            <a:extLst>
+              <a:ext uri="{FF2B5EF4-FFF2-40B4-BE49-F238E27FC236}">
+                <a16:creationId xmlns:a16="http://schemas.microsoft.com/office/drawing/2014/main" id="{18DFA0D1-3B55-EB43-8418-FD0354EDC035}"/>
+              </a:ext>
+            </a:extLst>
+          </p:cNvPr>
+          <p:cNvSpPr>
+            <a:spLocks noGrp="1"/>
+          </p:cNvSpPr>
+          <p:nvPr>
+            <p:ph idx="1"/>
+          </p:nvPr>
+        </p:nvSpPr>
+        <p:spPr/>
+        <p:txBody>
+          <a:bodyPr>
+            <a:normAutofit lnSpcReduction="10000"/>
+          </a:bodyPr>
+          <a:lstStyle/>
+          <a:p>
+            <a:r>
+              <a:rPr lang="en-US" sz="3600" dirty="0"/>
+              <a:t>Collect sample A</a:t>
+            </a:r>
+          </a:p>
+          <a:p>
+            <a:r>
+              <a:rPr lang="en-US" sz="3600" dirty="0"/>
+              <a:t>State what we already know about the likely population mean (prior)</a:t>
+            </a:r>
+          </a:p>
+          <a:p>
+            <a:endParaRPr lang="en-US" sz="3600" dirty="0"/>
+          </a:p>
+          <a:p>
+            <a:r>
+              <a:rPr lang="en-US" sz="3600" dirty="0"/>
+              <a:t>Combine information from the sample, with prior (Bayesian estimation) to calculate </a:t>
+            </a:r>
+            <a:r>
+              <a:rPr lang="en-US" sz="3600" b="1" dirty="0"/>
+              <a:t>credible interval</a:t>
+            </a:r>
+          </a:p>
+          <a:p>
+            <a:endParaRPr lang="en-US" sz="3600" b="1" dirty="0"/>
+          </a:p>
+          <a:p>
+            <a:r>
+              <a:rPr lang="en-US" sz="3600" dirty="0"/>
+              <a:t>Can be for average or individuals</a:t>
+            </a:r>
+          </a:p>
+          <a:p>
+            <a:endParaRPr lang="en-US" sz="3600" dirty="0"/>
+          </a:p>
+          <a:p>
+            <a:endParaRPr lang="en-US" sz="3600" dirty="0"/>
+          </a:p>
+          <a:p>
+            <a:endParaRPr lang="en-US" sz="3600" dirty="0"/>
+          </a:p>
+          <a:p>
+            <a:endParaRPr lang="en-US" sz="3600" dirty="0"/>
+          </a:p>
+          <a:p>
+            <a:endParaRPr lang="en-US" sz="3600" dirty="0"/>
+          </a:p>
+        </p:txBody>
+      </p:sp>
+    </p:spTree>
+    <p:extLst>
+      <p:ext uri="{BB962C8B-B14F-4D97-AF65-F5344CB8AC3E}">
+        <p14:creationId xmlns:p14="http://schemas.microsoft.com/office/powerpoint/2010/main" val="301251576"/>
+      </p:ext>
+    </p:extLst>
+  </p:cSld>
+  <p:clrMapOvr>
+    <a:masterClrMapping/>
+  </p:clrMapOvr>
+</p:sld>
+</file>
+
+<file path=ppt/slides/slide7.xml><?xml version="1.0" encoding="utf-8"?>
 <p:sld xmlns:a="http://schemas.openxmlformats.org/drawingml/2006/main" xmlns:r="http://schemas.openxmlformats.org/officeDocument/2006/relationships" xmlns:p="http://schemas.openxmlformats.org/presentationml/2006/main">
   <p:cSld>
     <p:spTree>
@@ -5223,7 +7637,76 @@
 </p:sld>
 </file>
 
-<file path=ppt/slides/slide6.xml><?xml version="1.0" encoding="utf-8"?>
+<file path=ppt/slides/slide8.xml><?xml version="1.0" encoding="utf-8"?>
+<p:sld xmlns:a="http://schemas.openxmlformats.org/drawingml/2006/main" xmlns:r="http://schemas.openxmlformats.org/officeDocument/2006/relationships" xmlns:p="http://schemas.openxmlformats.org/presentationml/2006/main">
+  <p:cSld>
+    <p:bg>
+      <p:bgPr>
+        <a:solidFill>
+          <a:schemeClr val="bg1"/>
+        </a:solidFill>
+        <a:effectLst/>
+      </p:bgPr>
+    </p:bg>
+    <p:spTree>
+      <p:nvGrpSpPr>
+        <p:cNvPr id="1" name=""/>
+        <p:cNvGrpSpPr/>
+        <p:nvPr/>
+      </p:nvGrpSpPr>
+      <p:grpSpPr>
+        <a:xfrm>
+          <a:off x="0" y="0"/>
+          <a:ext cx="0" cy="0"/>
+          <a:chOff x="0" y="0"/>
+          <a:chExt cx="0" cy="0"/>
+        </a:xfrm>
+      </p:grpSpPr>
+      <p:pic>
+        <p:nvPicPr>
+          <p:cNvPr id="4" name="Content Placeholder 3">
+            <a:extLst>
+              <a:ext uri="{FF2B5EF4-FFF2-40B4-BE49-F238E27FC236}">
+                <a16:creationId xmlns:a16="http://schemas.microsoft.com/office/drawing/2014/main" id="{7B141867-8C65-2145-9B10-DD88D48D0A0F}"/>
+              </a:ext>
+            </a:extLst>
+          </p:cNvPr>
+          <p:cNvPicPr>
+            <a:picLocks noGrp="1" noChangeAspect="1"/>
+          </p:cNvPicPr>
+          <p:nvPr>
+            <p:ph idx="1"/>
+          </p:nvPr>
+        </p:nvPicPr>
+        <p:blipFill rotWithShape="1">
+          <a:blip r:embed="rId2"/>
+          <a:srcRect t="2873" b="12858"/>
+          <a:stretch/>
+        </p:blipFill>
+        <p:spPr>
+          <a:xfrm>
+            <a:off x="20" y="10"/>
+            <a:ext cx="12191980" cy="6857990"/>
+          </a:xfrm>
+          <a:prstGeom prst="rect">
+            <a:avLst/>
+          </a:prstGeom>
+        </p:spPr>
+      </p:pic>
+    </p:spTree>
+    <p:extLst>
+      <p:ext uri="{BB962C8B-B14F-4D97-AF65-F5344CB8AC3E}">
+        <p14:creationId xmlns:p14="http://schemas.microsoft.com/office/powerpoint/2010/main" val="3808848302"/>
+      </p:ext>
+    </p:extLst>
+  </p:cSld>
+  <p:clrMapOvr>
+    <a:masterClrMapping/>
+  </p:clrMapOvr>
+</p:sld>
+</file>
+
+<file path=ppt/slides/slide9.xml><?xml version="1.0" encoding="utf-8"?>
 <p:sld xmlns:a="http://schemas.openxmlformats.org/drawingml/2006/main" xmlns:r="http://schemas.openxmlformats.org/officeDocument/2006/relationships" xmlns:p="http://schemas.openxmlformats.org/presentationml/2006/main">
   <p:cSld>
     <p:spTree>
@@ -5256,14 +7739,19 @@
             <p:ph type="title"/>
           </p:nvPr>
         </p:nvSpPr>
-        <p:spPr/>
+        <p:spPr>
+          <a:xfrm>
+            <a:off x="838200" y="365125"/>
+            <a:ext cx="10515600" cy="1325563"/>
+          </a:xfrm>
+        </p:spPr>
         <p:txBody>
           <a:bodyPr/>
           <a:lstStyle/>
           <a:p>
             <a:r>
               <a:rPr lang="en-US" dirty="0"/>
-              <a:t>Why prediction intervals are important</a:t>
+              <a:t>Prediction intervals are important</a:t>
             </a:r>
           </a:p>
         </p:txBody>
@@ -5862,217 +8350,6 @@
       <p:bldP spid="3" grpId="0" uiExpand="1" build="p"/>
     </p:bldLst>
   </p:timing>
-</p:sld>
-</file>
-
-<file path=ppt/slides/slide7.xml><?xml version="1.0" encoding="utf-8"?>
-<p:sld xmlns:a="http://schemas.openxmlformats.org/drawingml/2006/main" xmlns:r="http://schemas.openxmlformats.org/officeDocument/2006/relationships" xmlns:p="http://schemas.openxmlformats.org/presentationml/2006/main">
-  <p:cSld>
-    <p:spTree>
-      <p:nvGrpSpPr>
-        <p:cNvPr id="1" name=""/>
-        <p:cNvGrpSpPr/>
-        <p:nvPr/>
-      </p:nvGrpSpPr>
-      <p:grpSpPr>
-        <a:xfrm>
-          <a:off x="0" y="0"/>
-          <a:ext cx="0" cy="0"/>
-          <a:chOff x="0" y="0"/>
-          <a:chExt cx="0" cy="0"/>
-        </a:xfrm>
-      </p:grpSpPr>
-      <p:sp>
-        <p:nvSpPr>
-          <p:cNvPr id="2" name="Title 1">
-            <a:extLst>
-              <a:ext uri="{FF2B5EF4-FFF2-40B4-BE49-F238E27FC236}">
-                <a16:creationId xmlns:a16="http://schemas.microsoft.com/office/drawing/2014/main" id="{95D8626E-05C6-AD4E-B171-D6E2821DF1A4}"/>
-              </a:ext>
-            </a:extLst>
-          </p:cNvPr>
-          <p:cNvSpPr>
-            <a:spLocks noGrp="1"/>
-          </p:cNvSpPr>
-          <p:nvPr>
-            <p:ph type="title"/>
-          </p:nvPr>
-        </p:nvSpPr>
-        <p:spPr/>
-        <p:txBody>
-          <a:bodyPr/>
-          <a:lstStyle/>
-          <a:p>
-            <a:r>
-              <a:rPr lang="en-US" dirty="0"/>
-              <a:t>Bayesian intervals with </a:t>
-            </a:r>
-            <a:r>
-              <a:rPr lang="en-US" dirty="0" err="1"/>
-              <a:t>rstanarm</a:t>
-            </a:r>
-            <a:endParaRPr lang="en-US" dirty="0"/>
-          </a:p>
-        </p:txBody>
-      </p:sp>
-      <p:sp>
-        <p:nvSpPr>
-          <p:cNvPr id="3" name="Content Placeholder 2">
-            <a:extLst>
-              <a:ext uri="{FF2B5EF4-FFF2-40B4-BE49-F238E27FC236}">
-                <a16:creationId xmlns:a16="http://schemas.microsoft.com/office/drawing/2014/main" id="{E2011DAB-CB29-8846-8EFB-51165C9AD8C8}"/>
-              </a:ext>
-            </a:extLst>
-          </p:cNvPr>
-          <p:cNvSpPr>
-            <a:spLocks noGrp="1"/>
-          </p:cNvSpPr>
-          <p:nvPr>
-            <p:ph idx="1"/>
-          </p:nvPr>
-        </p:nvSpPr>
-        <p:spPr/>
-        <p:txBody>
-          <a:bodyPr/>
-          <a:lstStyle/>
-          <a:p>
-            <a:r>
-              <a:rPr lang="en-US" dirty="0">
-                <a:latin typeface="Menlo" panose="020B0609030804020204" pitchFamily="49" charset="0"/>
-                <a:ea typeface="Menlo" panose="020B0609030804020204" pitchFamily="49" charset="0"/>
-                <a:cs typeface="Menlo" panose="020B0609030804020204" pitchFamily="49" charset="0"/>
-              </a:rPr>
-              <a:t>library(</a:t>
-            </a:r>
-            <a:r>
-              <a:rPr lang="en-US" dirty="0" err="1">
-                <a:latin typeface="Menlo" panose="020B0609030804020204" pitchFamily="49" charset="0"/>
-                <a:ea typeface="Menlo" panose="020B0609030804020204" pitchFamily="49" charset="0"/>
-                <a:cs typeface="Menlo" panose="020B0609030804020204" pitchFamily="49" charset="0"/>
-              </a:rPr>
-              <a:t>rstanarm</a:t>
-            </a:r>
-            <a:r>
-              <a:rPr lang="en-US" dirty="0">
-                <a:latin typeface="Menlo" panose="020B0609030804020204" pitchFamily="49" charset="0"/>
-                <a:ea typeface="Menlo" panose="020B0609030804020204" pitchFamily="49" charset="0"/>
-                <a:cs typeface="Menlo" panose="020B0609030804020204" pitchFamily="49" charset="0"/>
-              </a:rPr>
-              <a:t>) and library(</a:t>
-            </a:r>
-            <a:r>
-              <a:rPr lang="en-US" dirty="0" err="1">
-                <a:latin typeface="Menlo" panose="020B0609030804020204" pitchFamily="49" charset="0"/>
-                <a:ea typeface="Menlo" panose="020B0609030804020204" pitchFamily="49" charset="0"/>
-                <a:cs typeface="Menlo" panose="020B0609030804020204" pitchFamily="49" charset="0"/>
-              </a:rPr>
-              <a:t>tidybayes</a:t>
-            </a:r>
-            <a:r>
-              <a:rPr lang="en-US" dirty="0">
-                <a:latin typeface="Menlo" panose="020B0609030804020204" pitchFamily="49" charset="0"/>
-                <a:ea typeface="Menlo" panose="020B0609030804020204" pitchFamily="49" charset="0"/>
-                <a:cs typeface="Menlo" panose="020B0609030804020204" pitchFamily="49" charset="0"/>
-              </a:rPr>
-              <a:t>)</a:t>
-            </a:r>
-          </a:p>
-          <a:p>
-            <a:endParaRPr lang="en-US" dirty="0">
-              <a:latin typeface="Menlo" panose="020B0609030804020204" pitchFamily="49" charset="0"/>
-              <a:ea typeface="Menlo" panose="020B0609030804020204" pitchFamily="49" charset="0"/>
-              <a:cs typeface="Menlo" panose="020B0609030804020204" pitchFamily="49" charset="0"/>
-            </a:endParaRPr>
-          </a:p>
-          <a:p>
-            <a:r>
-              <a:rPr lang="en-US" dirty="0"/>
-              <a:t>Use </a:t>
-            </a:r>
-            <a:r>
-              <a:rPr lang="en-US" dirty="0" err="1">
-                <a:latin typeface="Menlo" panose="020B0609030804020204" pitchFamily="49" charset="0"/>
-                <a:ea typeface="Menlo" panose="020B0609030804020204" pitchFamily="49" charset="0"/>
-                <a:cs typeface="Menlo" panose="020B0609030804020204" pitchFamily="49" charset="0"/>
-              </a:rPr>
-              <a:t>stan_glm</a:t>
-            </a:r>
-            <a:r>
-              <a:rPr lang="en-US" dirty="0">
-                <a:latin typeface="Menlo" panose="020B0609030804020204" pitchFamily="49" charset="0"/>
-                <a:ea typeface="Menlo" panose="020B0609030804020204" pitchFamily="49" charset="0"/>
-                <a:cs typeface="Menlo" panose="020B0609030804020204" pitchFamily="49" charset="0"/>
-              </a:rPr>
-              <a:t>()</a:t>
-            </a:r>
-            <a:r>
-              <a:rPr lang="en-US" dirty="0"/>
-              <a:t> instead of </a:t>
-            </a:r>
-            <a:r>
-              <a:rPr lang="en-US" dirty="0" err="1">
-                <a:latin typeface="Menlo" panose="020B0609030804020204" pitchFamily="49" charset="0"/>
-                <a:ea typeface="Menlo" panose="020B0609030804020204" pitchFamily="49" charset="0"/>
-                <a:cs typeface="Menlo" panose="020B0609030804020204" pitchFamily="49" charset="0"/>
-              </a:rPr>
-              <a:t>lm</a:t>
-            </a:r>
-            <a:r>
-              <a:rPr lang="en-US" dirty="0"/>
-              <a:t>()</a:t>
-            </a:r>
-          </a:p>
-          <a:p>
-            <a:endParaRPr lang="en-US" dirty="0"/>
-          </a:p>
-          <a:p>
-            <a:r>
-              <a:rPr lang="en-US" dirty="0" err="1">
-                <a:latin typeface="Menlo" panose="020B0609030804020204" pitchFamily="49" charset="0"/>
-                <a:ea typeface="Menlo" panose="020B0609030804020204" pitchFamily="49" charset="0"/>
-                <a:cs typeface="Menlo" panose="020B0609030804020204" pitchFamily="49" charset="0"/>
-              </a:rPr>
-              <a:t>Rstanarm</a:t>
-            </a:r>
-            <a:r>
-              <a:rPr lang="en-US" dirty="0"/>
-              <a:t> sets default priors which are </a:t>
-            </a:r>
-          </a:p>
-          <a:p>
-            <a:pPr lvl="1"/>
-            <a:r>
-              <a:rPr lang="en-US" dirty="0"/>
-              <a:t>Neutral</a:t>
-            </a:r>
-          </a:p>
-          <a:p>
-            <a:pPr lvl="1"/>
-            <a:r>
-              <a:rPr lang="en-US" dirty="0"/>
-              <a:t>Say that very large effects are less likely than small ones (so conservative)</a:t>
-            </a:r>
-          </a:p>
-          <a:p>
-            <a:pPr lvl="1"/>
-            <a:endParaRPr lang="en-US" dirty="0"/>
-          </a:p>
-          <a:p>
-            <a:pPr lvl="1"/>
-            <a:endParaRPr lang="en-US" dirty="0"/>
-          </a:p>
-        </p:txBody>
-      </p:sp>
-    </p:spTree>
-    <p:extLst>
-      <p:ext uri="{BB962C8B-B14F-4D97-AF65-F5344CB8AC3E}">
-        <p14:creationId xmlns:p14="http://schemas.microsoft.com/office/powerpoint/2010/main" val="2361937495"/>
-      </p:ext>
-    </p:extLst>
-  </p:cSld>
-  <p:clrMapOvr>
-    <a:masterClrMapping/>
-  </p:clrMapOvr>
 </p:sld>
 </file>
 
